--- a/doc/shreddit3.pptx
+++ b/doc/shreddit3.pptx
@@ -14,11 +14,12 @@
     <p:sldId id="259" r:id="rId8"/>
     <p:sldId id="260" r:id="rId9"/>
     <p:sldId id="261" r:id="rId10"/>
-    <p:sldId id="262" r:id="rId11"/>
-    <p:sldId id="263" r:id="rId12"/>
-    <p:sldId id="264" r:id="rId13"/>
-    <p:sldId id="265" r:id="rId14"/>
-    <p:sldId id="266" r:id="rId15"/>
+    <p:sldId id="270" r:id="rId11"/>
+    <p:sldId id="262" r:id="rId12"/>
+    <p:sldId id="263" r:id="rId13"/>
+    <p:sldId id="264" r:id="rId14"/>
+    <p:sldId id="265" r:id="rId15"/>
+    <p:sldId id="266" r:id="rId16"/>
   </p:sldIdLst>
   <p:sldSz cx="9144000" cy="6858000" type="screen4x3"/>
   <p:notesSz cx="6858000" cy="9144000"/>
@@ -301,7 +302,7 @@
           <a:p>
             <a:fld id="{238394A5-F9EA-495E-8694-0A5D26CA96EA}" type="datetimeFigureOut">
               <a:rPr lang="en-GB" smtClean="0"/>
-              <a:t>01/12/2014</a:t>
+              <a:t>02/12/2014</a:t>
             </a:fld>
             <a:endParaRPr lang="en-GB"/>
           </a:p>
@@ -471,7 +472,7 @@
           <a:p>
             <a:fld id="{238394A5-F9EA-495E-8694-0A5D26CA96EA}" type="datetimeFigureOut">
               <a:rPr lang="en-GB" smtClean="0"/>
-              <a:t>01/12/2014</a:t>
+              <a:t>02/12/2014</a:t>
             </a:fld>
             <a:endParaRPr lang="en-GB"/>
           </a:p>
@@ -651,7 +652,7 @@
           <a:p>
             <a:fld id="{238394A5-F9EA-495E-8694-0A5D26CA96EA}" type="datetimeFigureOut">
               <a:rPr lang="en-GB" smtClean="0"/>
-              <a:t>01/12/2014</a:t>
+              <a:t>02/12/2014</a:t>
             </a:fld>
             <a:endParaRPr lang="en-GB"/>
           </a:p>
@@ -821,7 +822,7 @@
           <a:p>
             <a:fld id="{238394A5-F9EA-495E-8694-0A5D26CA96EA}" type="datetimeFigureOut">
               <a:rPr lang="en-GB" smtClean="0"/>
-              <a:t>01/12/2014</a:t>
+              <a:t>02/12/2014</a:t>
             </a:fld>
             <a:endParaRPr lang="en-GB"/>
           </a:p>
@@ -1067,7 +1068,7 @@
           <a:p>
             <a:fld id="{238394A5-F9EA-495E-8694-0A5D26CA96EA}" type="datetimeFigureOut">
               <a:rPr lang="en-GB" smtClean="0"/>
-              <a:t>01/12/2014</a:t>
+              <a:t>02/12/2014</a:t>
             </a:fld>
             <a:endParaRPr lang="en-GB"/>
           </a:p>
@@ -1355,7 +1356,7 @@
           <a:p>
             <a:fld id="{238394A5-F9EA-495E-8694-0A5D26CA96EA}" type="datetimeFigureOut">
               <a:rPr lang="en-GB" smtClean="0"/>
-              <a:t>01/12/2014</a:t>
+              <a:t>02/12/2014</a:t>
             </a:fld>
             <a:endParaRPr lang="en-GB"/>
           </a:p>
@@ -1777,7 +1778,7 @@
           <a:p>
             <a:fld id="{238394A5-F9EA-495E-8694-0A5D26CA96EA}" type="datetimeFigureOut">
               <a:rPr lang="en-GB" smtClean="0"/>
-              <a:t>01/12/2014</a:t>
+              <a:t>02/12/2014</a:t>
             </a:fld>
             <a:endParaRPr lang="en-GB"/>
           </a:p>
@@ -1895,7 +1896,7 @@
           <a:p>
             <a:fld id="{238394A5-F9EA-495E-8694-0A5D26CA96EA}" type="datetimeFigureOut">
               <a:rPr lang="en-GB" smtClean="0"/>
-              <a:t>01/12/2014</a:t>
+              <a:t>02/12/2014</a:t>
             </a:fld>
             <a:endParaRPr lang="en-GB"/>
           </a:p>
@@ -1990,7 +1991,7 @@
           <a:p>
             <a:fld id="{238394A5-F9EA-495E-8694-0A5D26CA96EA}" type="datetimeFigureOut">
               <a:rPr lang="en-GB" smtClean="0"/>
-              <a:t>01/12/2014</a:t>
+              <a:t>02/12/2014</a:t>
             </a:fld>
             <a:endParaRPr lang="en-GB"/>
           </a:p>
@@ -2267,7 +2268,7 @@
           <a:p>
             <a:fld id="{238394A5-F9EA-495E-8694-0A5D26CA96EA}" type="datetimeFigureOut">
               <a:rPr lang="en-GB" smtClean="0"/>
-              <a:t>01/12/2014</a:t>
+              <a:t>02/12/2014</a:t>
             </a:fld>
             <a:endParaRPr lang="en-GB"/>
           </a:p>
@@ -2520,7 +2521,7 @@
           <a:p>
             <a:fld id="{238394A5-F9EA-495E-8694-0A5D26CA96EA}" type="datetimeFigureOut">
               <a:rPr lang="en-GB" smtClean="0"/>
-              <a:t>01/12/2014</a:t>
+              <a:t>02/12/2014</a:t>
             </a:fld>
             <a:endParaRPr lang="en-GB"/>
           </a:p>
@@ -2733,7 +2734,7 @@
           <a:p>
             <a:fld id="{238394A5-F9EA-495E-8694-0A5D26CA96EA}" type="datetimeFigureOut">
               <a:rPr lang="en-GB" smtClean="0"/>
-              <a:t>01/12/2014</a:t>
+              <a:t>02/12/2014</a:t>
             </a:fld>
             <a:endParaRPr lang="en-GB"/>
           </a:p>
@@ -3402,116 +3403,76 @@
             </a:r>
             <a:r>
               <a:rPr lang="de-CH" sz="3600" dirty="0" smtClean="0"/>
-              <a:t>. Server </a:t>
+              <a:t>. Server – </a:t>
             </a:r>
             <a:r>
               <a:rPr lang="de-CH" sz="3600" dirty="0" smtClean="0"/>
-              <a:t>– Übersicht</a:t>
+              <a:t>Dateistruktur</a:t>
             </a:r>
             <a:endParaRPr lang="en-GB" sz="3600" dirty="0"/>
           </a:p>
         </p:txBody>
       </p:sp>
-      <p:sp>
-        <p:nvSpPr>
-          <p:cNvPr id="2" name="Content Placeholder 1"/>
-          <p:cNvSpPr>
-            <a:spLocks noGrp="1"/>
-          </p:cNvSpPr>
+      <p:pic>
+        <p:nvPicPr>
+          <p:cNvPr id="1027" name="Picture 3"/>
+          <p:cNvPicPr>
+            <a:picLocks noGrp="1" noChangeAspect="1" noChangeArrowheads="1"/>
+          </p:cNvPicPr>
           <p:nvPr>
             <p:ph idx="1"/>
           </p:nvPr>
-        </p:nvSpPr>
-        <p:spPr/>
-        <p:txBody>
-          <a:bodyPr>
-            <a:normAutofit/>
-          </a:bodyPr>
-          <a:lstStyle/>
-          <a:p>
-            <a:pPr marL="0" indent="0">
-              <a:buNone/>
-            </a:pPr>
-            <a:r>
-              <a:rPr lang="en-GB" sz="2800" dirty="0" err="1"/>
-              <a:t>Vorteile</a:t>
-            </a:r>
-            <a:r>
-              <a:rPr lang="en-GB" sz="2800" dirty="0"/>
-              <a:t>:</a:t>
-            </a:r>
-          </a:p>
-          <a:p>
-            <a:r>
-              <a:rPr lang="de-DE" sz="2800" dirty="0" smtClean="0"/>
-              <a:t>Der </a:t>
-            </a:r>
-            <a:r>
-              <a:rPr lang="de-DE" sz="2800" dirty="0"/>
-              <a:t>DB-Access führt alle Zugriffe auf die DB aus.</a:t>
-            </a:r>
-          </a:p>
-          <a:p>
-            <a:r>
-              <a:rPr lang="de-DE" sz="2800" dirty="0" smtClean="0"/>
-              <a:t>Nach </a:t>
-            </a:r>
-            <a:r>
-              <a:rPr lang="de-DE" sz="2800" dirty="0"/>
-              <a:t>Festlegung des schmalen Routing-Interface könnte die SPA- und der Server-Code </a:t>
-            </a:r>
-            <a:r>
-              <a:rPr lang="de-DE" sz="2800" dirty="0" smtClean="0"/>
-              <a:t>unabhängig </a:t>
-            </a:r>
-            <a:r>
-              <a:rPr lang="en-GB" sz="2800" dirty="0" err="1" smtClean="0"/>
-              <a:t>entwickelt</a:t>
-            </a:r>
-            <a:r>
-              <a:rPr lang="en-GB" sz="2800" dirty="0" smtClean="0"/>
-              <a:t> </a:t>
-            </a:r>
-            <a:r>
-              <a:rPr lang="en-GB" sz="2800" dirty="0" err="1"/>
-              <a:t>werden</a:t>
-            </a:r>
-            <a:r>
-              <a:rPr lang="en-GB" sz="2800" dirty="0"/>
-              <a:t>.</a:t>
-            </a:r>
-          </a:p>
-          <a:p>
-            <a:r>
-              <a:rPr lang="de-DE" sz="2800" dirty="0" smtClean="0"/>
-              <a:t>Testing </a:t>
-            </a:r>
-            <a:r>
-              <a:rPr lang="de-DE" sz="2800" dirty="0"/>
-              <a:t>ist bereits bei der Entwicklung des Servercodes möglich.</a:t>
-            </a:r>
-          </a:p>
-          <a:p>
-            <a:r>
-              <a:rPr lang="de-DE" sz="2800" dirty="0" smtClean="0"/>
-              <a:t>Spezielle </a:t>
-            </a:r>
-            <a:r>
-              <a:rPr lang="de-DE" sz="2800" dirty="0"/>
-              <a:t>DB Instanzen für das Testing (vordefinierte Muster in der </a:t>
-            </a:r>
-            <a:r>
-              <a:rPr lang="de-DE" sz="2800" dirty="0" smtClean="0"/>
-              <a:t>DB).</a:t>
-            </a:r>
-            <a:endParaRPr lang="de-CH" sz="2800" dirty="0" smtClean="0"/>
-          </a:p>
-        </p:txBody>
-      </p:sp>
+        </p:nvPicPr>
+        <p:blipFill>
+          <a:blip r:embed="rId2">
+            <a:extLst>
+              <a:ext uri="{28A0092B-C50C-407E-A947-70E740481C1C}">
+                <a14:useLocalDpi xmlns:a14="http://schemas.microsoft.com/office/drawing/2010/main" val="0"/>
+              </a:ext>
+            </a:extLst>
+          </a:blip>
+          <a:srcRect/>
+          <a:stretch>
+            <a:fillRect/>
+          </a:stretch>
+        </p:blipFill>
+        <p:spPr bwMode="auto">
+          <a:xfrm>
+            <a:off x="3131840" y="1988840"/>
+            <a:ext cx="2880320" cy="3331666"/>
+          </a:xfrm>
+          <a:prstGeom prst="rect">
+            <a:avLst/>
+          </a:prstGeom>
+          <a:noFill/>
+          <a:ln>
+            <a:noFill/>
+          </a:ln>
+          <a:extLst>
+            <a:ext uri="{909E8E84-426E-40DD-AFC4-6F175D3DCCD1}">
+              <a14:hiddenFill xmlns:a14="http://schemas.microsoft.com/office/drawing/2010/main">
+                <a:solidFill>
+                  <a:schemeClr val="accent1"/>
+                </a:solidFill>
+              </a14:hiddenFill>
+            </a:ext>
+            <a:ext uri="{91240B29-F687-4F45-9708-019B960494DF}">
+              <a14:hiddenLine xmlns:a14="http://schemas.microsoft.com/office/drawing/2010/main" w="9525">
+                <a:solidFill>
+                  <a:schemeClr val="tx1"/>
+                </a:solidFill>
+                <a:miter lim="800000"/>
+                <a:headEnd/>
+                <a:tailEnd/>
+              </a14:hiddenLine>
+            </a:ext>
+          </a:extLst>
+        </p:spPr>
+      </p:pic>
     </p:spTree>
     <p:extLst>
       <p:ext uri="{BB962C8B-B14F-4D97-AF65-F5344CB8AC3E}">
-        <p14:creationId xmlns:p14="http://schemas.microsoft.com/office/powerpoint/2010/main" val="374053130"/>
+        <p14:creationId xmlns:p14="http://schemas.microsoft.com/office/powerpoint/2010/main" val="1900733156"/>
       </p:ext>
     </p:extLst>
   </p:cSld>
@@ -3694,11 +3655,11 @@
           <a:p>
             <a:r>
               <a:rPr lang="de-CH" sz="3600" dirty="0"/>
-              <a:t>4</a:t>
+              <a:t>3</a:t>
             </a:r>
             <a:r>
               <a:rPr lang="de-CH" sz="3600" dirty="0" smtClean="0"/>
-              <a:t>. Tests – NodeUnit</a:t>
+              <a:t>. Server – Übersicht</a:t>
             </a:r>
             <a:endParaRPr lang="en-GB" sz="3600" dirty="0"/>
           </a:p>
@@ -3725,72 +3686,85 @@
               <a:buNone/>
             </a:pPr>
             <a:r>
-              <a:rPr lang="de-CH" sz="2800" dirty="0" smtClean="0"/>
-              <a:t>Wir haben NodeUnit verwendet.</a:t>
-            </a:r>
-            <a:endParaRPr lang="de-CH" sz="2800" dirty="0"/>
-          </a:p>
-          <a:p>
-            <a:pPr marL="0" indent="0">
-              <a:buNone/>
-            </a:pPr>
-            <a:r>
-              <a:rPr lang="de-CH" sz="2800" dirty="0"/>
-              <a:t>Gründe</a:t>
-            </a:r>
-          </a:p>
-          <a:p>
-            <a:r>
-              <a:rPr lang="de-CH" sz="2800" dirty="0" smtClean="0"/>
-              <a:t>Einfache </a:t>
-            </a:r>
-            <a:r>
-              <a:rPr lang="de-CH" sz="2800" dirty="0"/>
-              <a:t>Anwendung unter Node.js</a:t>
-            </a:r>
-          </a:p>
-          <a:p>
-            <a:r>
-              <a:rPr lang="de-CH" sz="2800" dirty="0" smtClean="0"/>
-              <a:t>keine </a:t>
-            </a:r>
-            <a:r>
-              <a:rPr lang="de-CH" sz="2800" dirty="0"/>
-              <a:t>weiteren Abhängigkeiten zu weiteren Tools.</a:t>
-            </a:r>
-          </a:p>
-          <a:p>
-            <a:pPr marL="0" indent="0">
-              <a:buNone/>
-            </a:pPr>
+              <a:rPr lang="en-GB" sz="2800" dirty="0" err="1"/>
+              <a:t>Vorteile</a:t>
+            </a:r>
+            <a:r>
+              <a:rPr lang="en-GB" sz="2800" dirty="0"/>
+              <a:t>:</a:t>
+            </a:r>
+          </a:p>
+          <a:p>
+            <a:r>
+              <a:rPr lang="de-DE" sz="2800" dirty="0" smtClean="0"/>
+              <a:t>Der </a:t>
+            </a:r>
+            <a:r>
+              <a:rPr lang="de-DE" sz="2800" dirty="0"/>
+              <a:t>DB-Access führt alle Zugriffe auf die DB aus.</a:t>
+            </a:r>
+          </a:p>
+          <a:p>
+            <a:r>
+              <a:rPr lang="de-DE" sz="2800" dirty="0" smtClean="0"/>
+              <a:t>Nach </a:t>
+            </a:r>
+            <a:r>
+              <a:rPr lang="de-DE" sz="2800" dirty="0"/>
+              <a:t>Festlegung des schmalen Routing-Interface könnte die SPA- und der Server-Code </a:t>
+            </a:r>
+            <a:r>
+              <a:rPr lang="de-DE" sz="2800" dirty="0" smtClean="0"/>
+              <a:t>unabhängig </a:t>
+            </a:r>
+            <a:r>
+              <a:rPr lang="en-GB" sz="2800" dirty="0" err="1" smtClean="0"/>
+              <a:t>entwickelt</a:t>
+            </a:r>
+            <a:r>
+              <a:rPr lang="en-GB" sz="2800" dirty="0" smtClean="0"/>
+              <a:t> </a:t>
+            </a:r>
+            <a:r>
+              <a:rPr lang="en-GB" sz="2800" dirty="0" err="1"/>
+              <a:t>werden</a:t>
+            </a:r>
+            <a:r>
+              <a:rPr lang="en-GB" sz="2800" dirty="0"/>
+              <a:t>.</a:t>
+            </a:r>
+          </a:p>
+          <a:p>
+            <a:r>
+              <a:rPr lang="de-DE" sz="2800" dirty="0" smtClean="0"/>
+              <a:t>Testing </a:t>
+            </a:r>
+            <a:r>
+              <a:rPr lang="de-DE" sz="2800" dirty="0"/>
+              <a:t>ist bereits bei der Entwicklung des Servercodes möglich.</a:t>
+            </a:r>
+          </a:p>
+          <a:p>
+            <a:r>
+              <a:rPr lang="de-DE" sz="2800" dirty="0" smtClean="0"/>
+              <a:t>Spezielle </a:t>
+            </a:r>
+            <a:r>
+              <a:rPr lang="de-DE" sz="2800" dirty="0"/>
+              <a:t>DB Instanzen für das Testing (vordefinierte Muster in der </a:t>
+            </a:r>
+            <a:r>
+              <a:rPr lang="de-DE" sz="2800" dirty="0" smtClean="0"/>
+              <a:t>DB).</a:t>
+            </a:r>
             <a:endParaRPr lang="de-CH" sz="2800" dirty="0" smtClean="0"/>
-          </a:p>
-          <a:p>
-            <a:pPr marL="0" indent="0">
-              <a:buNone/>
-            </a:pPr>
-            <a:r>
-              <a:rPr lang="de-CH" sz="2800" dirty="0" smtClean="0"/>
-              <a:t>Befehl</a:t>
-            </a:r>
-            <a:endParaRPr lang="de-CH" sz="2800" dirty="0"/>
-          </a:p>
-          <a:p>
-            <a:pPr marL="0" indent="0">
-              <a:buNone/>
-            </a:pPr>
-            <a:r>
-              <a:rPr lang="de-CH" sz="1800" dirty="0"/>
-              <a:t>nodeunit server/test/shreddit-tests.js --reporter html &gt; c:/temp/shredditTest.html</a:t>
-            </a:r>
-            <a:endParaRPr lang="de-CH" sz="1800" dirty="0" smtClean="0"/>
           </a:p>
         </p:txBody>
       </p:sp>
     </p:spTree>
     <p:extLst>
       <p:ext uri="{BB962C8B-B14F-4D97-AF65-F5344CB8AC3E}">
-        <p14:creationId xmlns:p14="http://schemas.microsoft.com/office/powerpoint/2010/main" val="592236212"/>
+        <p14:creationId xmlns:p14="http://schemas.microsoft.com/office/powerpoint/2010/main" val="374053130"/>
       </p:ext>
     </p:extLst>
   </p:cSld>
@@ -3977,6 +3951,285 @@
             </a:r>
             <a:r>
               <a:rPr lang="de-CH" sz="3600" dirty="0" smtClean="0"/>
+              <a:t>. Tests – NodeUnit</a:t>
+            </a:r>
+            <a:endParaRPr lang="en-GB" sz="3600" dirty="0"/>
+          </a:p>
+        </p:txBody>
+      </p:sp>
+      <p:sp>
+        <p:nvSpPr>
+          <p:cNvPr id="2" name="Content Placeholder 1"/>
+          <p:cNvSpPr>
+            <a:spLocks noGrp="1"/>
+          </p:cNvSpPr>
+          <p:nvPr>
+            <p:ph idx="1"/>
+          </p:nvPr>
+        </p:nvSpPr>
+        <p:spPr/>
+        <p:txBody>
+          <a:bodyPr>
+            <a:normAutofit/>
+          </a:bodyPr>
+          <a:lstStyle/>
+          <a:p>
+            <a:pPr marL="0" indent="0">
+              <a:buNone/>
+            </a:pPr>
+            <a:r>
+              <a:rPr lang="de-CH" sz="2800" dirty="0" smtClean="0"/>
+              <a:t>Wir haben NodeUnit verwendet.</a:t>
+            </a:r>
+            <a:endParaRPr lang="de-CH" sz="2800" dirty="0"/>
+          </a:p>
+          <a:p>
+            <a:pPr marL="0" indent="0">
+              <a:buNone/>
+            </a:pPr>
+            <a:r>
+              <a:rPr lang="de-CH" sz="2800" dirty="0"/>
+              <a:t>Gründe</a:t>
+            </a:r>
+          </a:p>
+          <a:p>
+            <a:r>
+              <a:rPr lang="de-CH" sz="2800" dirty="0" smtClean="0"/>
+              <a:t>Einfache </a:t>
+            </a:r>
+            <a:r>
+              <a:rPr lang="de-CH" sz="2800" dirty="0"/>
+              <a:t>Anwendung unter Node.js</a:t>
+            </a:r>
+          </a:p>
+          <a:p>
+            <a:r>
+              <a:rPr lang="de-CH" sz="2800" dirty="0" smtClean="0"/>
+              <a:t>keine </a:t>
+            </a:r>
+            <a:r>
+              <a:rPr lang="de-CH" sz="2800" dirty="0"/>
+              <a:t>weiteren Abhängigkeiten zu weiteren Tools.</a:t>
+            </a:r>
+          </a:p>
+          <a:p>
+            <a:pPr marL="0" indent="0">
+              <a:buNone/>
+            </a:pPr>
+            <a:endParaRPr lang="de-CH" sz="2800" dirty="0" smtClean="0"/>
+          </a:p>
+          <a:p>
+            <a:pPr marL="0" indent="0">
+              <a:buNone/>
+            </a:pPr>
+            <a:r>
+              <a:rPr lang="de-CH" sz="2800" dirty="0" smtClean="0"/>
+              <a:t>Befehl</a:t>
+            </a:r>
+            <a:endParaRPr lang="de-CH" sz="2800" dirty="0"/>
+          </a:p>
+          <a:p>
+            <a:pPr marL="0" indent="0">
+              <a:buNone/>
+            </a:pPr>
+            <a:r>
+              <a:rPr lang="de-CH" sz="1800" dirty="0"/>
+              <a:t>nodeunit server/test/shreddit-tests.js --reporter html &gt; c:/temp/shredditTest.html</a:t>
+            </a:r>
+            <a:endParaRPr lang="de-CH" sz="1800" dirty="0" smtClean="0"/>
+          </a:p>
+        </p:txBody>
+      </p:sp>
+    </p:spTree>
+    <p:extLst>
+      <p:ext uri="{BB962C8B-B14F-4D97-AF65-F5344CB8AC3E}">
+        <p14:creationId xmlns:p14="http://schemas.microsoft.com/office/powerpoint/2010/main" val="592236212"/>
+      </p:ext>
+    </p:extLst>
+  </p:cSld>
+  <p:clrMapOvr>
+    <a:masterClrMapping/>
+  </p:clrMapOvr>
+  <p:timing>
+    <p:tnLst>
+      <p:par>
+        <p:cTn id="1" dur="indefinite" restart="never" nodeType="tmRoot"/>
+      </p:par>
+    </p:tnLst>
+  </p:timing>
+</p:sld>
+</file>
+
+<file path=ppt/slides/slide13.xml><?xml version="1.0" encoding="utf-8"?>
+<p:sld xmlns:a="http://schemas.openxmlformats.org/drawingml/2006/main" xmlns:r="http://schemas.openxmlformats.org/officeDocument/2006/relationships" xmlns:p="http://schemas.openxmlformats.org/presentationml/2006/main">
+  <p:cSld>
+    <p:spTree>
+      <p:nvGrpSpPr>
+        <p:cNvPr id="1" name=""/>
+        <p:cNvGrpSpPr/>
+        <p:nvPr/>
+      </p:nvGrpSpPr>
+      <p:grpSpPr>
+        <a:xfrm>
+          <a:off x="0" y="0"/>
+          <a:ext cx="0" cy="0"/>
+          <a:chOff x="0" y="0"/>
+          <a:chExt cx="0" cy="0"/>
+        </a:xfrm>
+      </p:grpSpPr>
+      <p:sp>
+        <p:nvSpPr>
+          <p:cNvPr id="4" name="Title 1"/>
+          <p:cNvSpPr txBox="1">
+            <a:spLocks/>
+          </p:cNvSpPr>
+          <p:nvPr/>
+        </p:nvSpPr>
+        <p:spPr>
+          <a:xfrm>
+            <a:off x="4355976" y="260648"/>
+            <a:ext cx="4334437" cy="346050"/>
+          </a:xfrm>
+          <a:prstGeom prst="rect">
+            <a:avLst/>
+          </a:prstGeom>
+          <a:solidFill>
+            <a:srgbClr val="B674AF"/>
+          </a:solidFill>
+        </p:spPr>
+        <p:txBody>
+          <a:bodyPr vert="horz" lIns="91440" tIns="45720" rIns="91440" bIns="45720" rtlCol="0" anchor="ctr">
+            <a:normAutofit/>
+          </a:bodyPr>
+          <a:lstStyle>
+            <a:lvl1pPr algn="ctr" defTabSz="914400" rtl="0" eaLnBrk="1" latinLnBrk="0" hangingPunct="1">
+              <a:spcBef>
+                <a:spcPct val="0"/>
+              </a:spcBef>
+              <a:buNone/>
+              <a:defRPr sz="4400" kern="1200">
+                <a:solidFill>
+                  <a:schemeClr val="tx1"/>
+                </a:solidFill>
+                <a:latin typeface="+mj-lt"/>
+                <a:ea typeface="+mj-ea"/>
+                <a:cs typeface="+mj-cs"/>
+              </a:defRPr>
+            </a:lvl1pPr>
+          </a:lstStyle>
+          <a:p>
+            <a:pPr algn="r"/>
+            <a:r>
+              <a:rPr lang="de-CH" sz="1600" dirty="0" smtClean="0">
+                <a:solidFill>
+                  <a:srgbClr val="FFFFE0"/>
+                </a:solidFill>
+              </a:rPr>
+              <a:t>2Rolf FmbH</a:t>
+            </a:r>
+            <a:endParaRPr lang="en-GB" sz="1600" dirty="0">
+              <a:solidFill>
+                <a:srgbClr val="FFFFE0"/>
+              </a:solidFill>
+            </a:endParaRPr>
+          </a:p>
+        </p:txBody>
+      </p:sp>
+      <p:sp>
+        <p:nvSpPr>
+          <p:cNvPr id="6" name="Title 1"/>
+          <p:cNvSpPr txBox="1">
+            <a:spLocks/>
+          </p:cNvSpPr>
+          <p:nvPr/>
+        </p:nvSpPr>
+        <p:spPr>
+          <a:xfrm>
+            <a:off x="457200" y="260648"/>
+            <a:ext cx="4042792" cy="346050"/>
+          </a:xfrm>
+          <a:prstGeom prst="rect">
+            <a:avLst/>
+          </a:prstGeom>
+          <a:solidFill>
+            <a:srgbClr val="B674AF"/>
+          </a:solidFill>
+        </p:spPr>
+        <p:txBody>
+          <a:bodyPr vert="horz" lIns="91440" tIns="45720" rIns="91440" bIns="45720" rtlCol="0" anchor="ctr">
+            <a:normAutofit/>
+          </a:bodyPr>
+          <a:lstStyle>
+            <a:lvl1pPr algn="ctr" defTabSz="914400" rtl="0" eaLnBrk="1" latinLnBrk="0" hangingPunct="1">
+              <a:spcBef>
+                <a:spcPct val="0"/>
+              </a:spcBef>
+              <a:buNone/>
+              <a:defRPr sz="4400" kern="1200">
+                <a:solidFill>
+                  <a:schemeClr val="tx1"/>
+                </a:solidFill>
+                <a:latin typeface="+mj-lt"/>
+                <a:ea typeface="+mj-ea"/>
+                <a:cs typeface="+mj-cs"/>
+              </a:defRPr>
+            </a:lvl1pPr>
+          </a:lstStyle>
+          <a:p>
+            <a:pPr algn="l"/>
+            <a:r>
+              <a:rPr lang="de-CH" sz="1600" smtClean="0">
+                <a:solidFill>
+                  <a:srgbClr val="FFFFE0"/>
+                </a:solidFill>
+                <a:latin typeface="Wingdings" panose="05000000000000000000" pitchFamily="2" charset="2"/>
+              </a:rPr>
+              <a:t>S</a:t>
+            </a:r>
+            <a:r>
+              <a:rPr lang="de-CH" sz="1600" smtClean="0">
+                <a:solidFill>
+                  <a:srgbClr val="FFFFE0"/>
+                </a:solidFill>
+              </a:rPr>
+              <a:t> S H R E D D I T ³</a:t>
+            </a:r>
+            <a:endParaRPr lang="en-GB" sz="1600" dirty="0">
+              <a:solidFill>
+                <a:srgbClr val="FFFFE0"/>
+              </a:solidFill>
+            </a:endParaRPr>
+          </a:p>
+        </p:txBody>
+      </p:sp>
+      <p:sp>
+        <p:nvSpPr>
+          <p:cNvPr id="8" name="TextBox 7"/>
+          <p:cNvSpPr txBox="1"/>
+          <p:nvPr/>
+        </p:nvSpPr>
+        <p:spPr>
+          <a:xfrm>
+            <a:off x="457200" y="692696"/>
+            <a:ext cx="8233213" cy="646331"/>
+          </a:xfrm>
+          <a:prstGeom prst="rect">
+            <a:avLst/>
+          </a:prstGeom>
+          <a:noFill/>
+        </p:spPr>
+        <p:txBody>
+          <a:bodyPr wrap="square" rtlCol="0">
+            <a:spAutoFit/>
+          </a:bodyPr>
+          <a:lstStyle/>
+          <a:p>
+            <a:r>
+              <a:rPr lang="de-CH" sz="3600" dirty="0"/>
+              <a:t>4</a:t>
+            </a:r>
+            <a:r>
+              <a:rPr lang="de-CH" sz="3600" dirty="0" smtClean="0"/>
               <a:t>. Tests – Protokoll</a:t>
             </a:r>
             <a:endParaRPr lang="en-GB" sz="3600" dirty="0"/>
@@ -4012,7 +4265,6 @@
               <a:rPr lang="de-CH" sz="2800" dirty="0" smtClean="0"/>
               <a:t>Testbericht</a:t>
             </a:r>
-            <a:endParaRPr lang="de-CH" sz="2800" dirty="0" smtClean="0"/>
           </a:p>
         </p:txBody>
       </p:sp>
@@ -4247,7 +4499,6 @@
               <a:rPr lang="de-CH" sz="2800" dirty="0" smtClean="0"/>
               <a:t>Code-Beispiel</a:t>
             </a:r>
-            <a:endParaRPr lang="de-CH" sz="2800" dirty="0" smtClean="0"/>
           </a:p>
         </p:txBody>
       </p:sp>
@@ -4325,7 +4576,7 @@
 </p:sld>
 </file>
 
-<file path=ppt/slides/slide13.xml><?xml version="1.0" encoding="utf-8"?>
+<file path=ppt/slides/slide14.xml><?xml version="1.0" encoding="utf-8"?>
 <p:sld xmlns:a="http://schemas.openxmlformats.org/drawingml/2006/main" xmlns:r="http://schemas.openxmlformats.org/officeDocument/2006/relationships" xmlns:p="http://schemas.openxmlformats.org/presentationml/2006/main">
   <p:cSld>
     <p:spTree>
@@ -4561,7 +4812,7 @@
 </p:sld>
 </file>
 
-<file path=ppt/slides/slide14.xml><?xml version="1.0" encoding="utf-8"?>
+<file path=ppt/slides/slide15.xml><?xml version="1.0" encoding="utf-8"?>
 <p:sld xmlns:a="http://schemas.openxmlformats.org/drawingml/2006/main" xmlns:r="http://schemas.openxmlformats.org/officeDocument/2006/relationships" xmlns:p="http://schemas.openxmlformats.org/presentationml/2006/main">
   <p:cSld>
     <p:spTree>
@@ -4766,7 +5017,6 @@
               <a:rPr lang="de-CH" sz="4800" dirty="0" smtClean="0"/>
               <a:t>?</a:t>
             </a:r>
-            <a:endParaRPr lang="de-CH" sz="4800" dirty="0" smtClean="0"/>
           </a:p>
         </p:txBody>
       </p:sp>
@@ -5279,7 +5529,6 @@
               <a:rPr lang="de-CH" sz="4800" dirty="0" smtClean="0"/>
               <a:t>?</a:t>
             </a:r>
-            <a:endParaRPr lang="de-CH" sz="4800" dirty="0" smtClean="0"/>
           </a:p>
         </p:txBody>
       </p:sp>
@@ -5450,7 +5699,6 @@
               <a:rPr lang="de-CH" sz="4800" dirty="0" smtClean="0"/>
               <a:t>?</a:t>
             </a:r>
-            <a:endParaRPr lang="de-CH" sz="4800" dirty="0" smtClean="0"/>
           </a:p>
         </p:txBody>
       </p:sp>
@@ -5621,7 +5869,6 @@
               <a:rPr lang="de-CH" sz="4800" dirty="0" smtClean="0"/>
               <a:t>?</a:t>
             </a:r>
-            <a:endParaRPr lang="de-CH" sz="4800" dirty="0" smtClean="0"/>
           </a:p>
         </p:txBody>
       </p:sp>
@@ -5792,7 +6039,6 @@
               <a:rPr lang="de-CH" sz="4800" dirty="0" smtClean="0"/>
               <a:t>?</a:t>
             </a:r>
-            <a:endParaRPr lang="de-CH" sz="4800" dirty="0" smtClean="0"/>
           </a:p>
         </p:txBody>
       </p:sp>
@@ -5963,7 +6209,6 @@
               <a:rPr lang="de-CH" sz="4800" dirty="0" smtClean="0"/>
               <a:t>?</a:t>
             </a:r>
-            <a:endParaRPr lang="de-CH" sz="4800" dirty="0" smtClean="0"/>
           </a:p>
         </p:txBody>
       </p:sp>
@@ -6134,7 +6379,6 @@
               <a:rPr lang="de-CH" sz="4800" dirty="0" smtClean="0"/>
               <a:t>?</a:t>
             </a:r>
-            <a:endParaRPr lang="de-CH" sz="4800" dirty="0" smtClean="0"/>
           </a:p>
         </p:txBody>
       </p:sp>
@@ -6305,7 +6549,6 @@
               <a:rPr lang="de-CH" sz="4800" dirty="0" smtClean="0"/>
               <a:t>?</a:t>
             </a:r>
-            <a:endParaRPr lang="de-CH" sz="4800" dirty="0" smtClean="0"/>
           </a:p>
         </p:txBody>
       </p:sp>
@@ -6476,7 +6719,6 @@
               <a:rPr lang="de-CH" sz="4800" dirty="0" smtClean="0"/>
               <a:t>?</a:t>
             </a:r>
-            <a:endParaRPr lang="de-CH" sz="4800" dirty="0" smtClean="0"/>
           </a:p>
         </p:txBody>
       </p:sp>
@@ -6647,7 +6889,6 @@
               <a:rPr lang="de-CH" sz="4800" dirty="0" smtClean="0"/>
               <a:t>?</a:t>
             </a:r>
-            <a:endParaRPr lang="de-CH" sz="4800" dirty="0" smtClean="0"/>
           </a:p>
         </p:txBody>
       </p:sp>
@@ -6818,7 +7059,6 @@
               <a:rPr lang="de-CH" sz="4800" dirty="0" smtClean="0"/>
               <a:t>?</a:t>
             </a:r>
-            <a:endParaRPr lang="de-CH" sz="4800" dirty="0" smtClean="0"/>
           </a:p>
         </p:txBody>
       </p:sp>
@@ -6989,7 +7229,6 @@
               <a:rPr lang="de-CH" sz="4800" dirty="0" smtClean="0"/>
               <a:t>?</a:t>
             </a:r>
-            <a:endParaRPr lang="de-CH" sz="4800" dirty="0" smtClean="0"/>
           </a:p>
         </p:txBody>
       </p:sp>
@@ -7160,7 +7399,6 @@
               <a:rPr lang="de-CH" sz="4800" dirty="0" smtClean="0"/>
               <a:t>?</a:t>
             </a:r>
-            <a:endParaRPr lang="de-CH" sz="4800" dirty="0" smtClean="0"/>
           </a:p>
         </p:txBody>
       </p:sp>
@@ -7331,7 +7569,6 @@
               <a:rPr lang="de-CH" sz="4800" dirty="0" smtClean="0"/>
               <a:t>?</a:t>
             </a:r>
-            <a:endParaRPr lang="de-CH" sz="4800" dirty="0" smtClean="0"/>
           </a:p>
         </p:txBody>
       </p:sp>
@@ -7502,7 +7739,6 @@
               <a:rPr lang="de-CH" sz="4800" dirty="0" smtClean="0"/>
               <a:t>?</a:t>
             </a:r>
-            <a:endParaRPr lang="de-CH" sz="4800" dirty="0" smtClean="0"/>
           </a:p>
         </p:txBody>
       </p:sp>
@@ -7673,7 +7909,6 @@
               <a:rPr lang="de-CH" sz="4800" dirty="0" smtClean="0"/>
               <a:t>?</a:t>
             </a:r>
-            <a:endParaRPr lang="de-CH" sz="4800" dirty="0" smtClean="0"/>
           </a:p>
         </p:txBody>
       </p:sp>
@@ -8157,21 +8392,18 @@
               <a:rPr lang="de-CH" sz="2800" dirty="0" smtClean="0"/>
               <a:t>Angular.JS</a:t>
             </a:r>
-            <a:endParaRPr lang="de-CH" sz="2800" dirty="0" smtClean="0"/>
           </a:p>
           <a:p>
             <a:r>
               <a:rPr lang="de-CH" sz="2800" dirty="0" smtClean="0"/>
               <a:t>Bootstrap</a:t>
             </a:r>
-            <a:endParaRPr lang="de-CH" sz="2800" dirty="0" smtClean="0"/>
           </a:p>
           <a:p>
             <a:r>
               <a:rPr lang="de-CH" sz="2800" dirty="0" smtClean="0"/>
               <a:t>jQuery</a:t>
             </a:r>
-            <a:endParaRPr lang="de-CH" sz="2800" dirty="0" smtClean="0"/>
           </a:p>
           <a:p>
             <a:pPr marL="0" indent="0">
@@ -8334,11 +8566,7 @@
             </a:r>
             <a:r>
               <a:rPr lang="de-CH" sz="3600" dirty="0" smtClean="0"/>
-              <a:t>. </a:t>
-            </a:r>
-            <a:r>
-              <a:rPr lang="de-CH" sz="3600" dirty="0" smtClean="0"/>
-              <a:t>Client – Frameworks</a:t>
+              <a:t>. Client – Frameworks</a:t>
             </a:r>
             <a:endParaRPr lang="en-GB" sz="3600" dirty="0"/>
           </a:p>
@@ -8410,14 +8638,12 @@
               <a:rPr lang="de-CH" sz="2800" dirty="0" smtClean="0"/>
               <a:t>Hauptdatei</a:t>
             </a:r>
-            <a:endParaRPr lang="de-CH" sz="2800" dirty="0" smtClean="0"/>
           </a:p>
           <a:p>
             <a:r>
               <a:rPr lang="de-CH" sz="2000" dirty="0" smtClean="0"/>
               <a:t>Index.html</a:t>
             </a:r>
-            <a:endParaRPr lang="de-CH" sz="2000" dirty="0" smtClean="0"/>
           </a:p>
           <a:p>
             <a:pPr marL="0" indent="0">
@@ -8586,11 +8812,7 @@
             </a:r>
             <a:r>
               <a:rPr lang="de-CH" sz="3600" dirty="0" smtClean="0"/>
-              <a:t>. </a:t>
-            </a:r>
-            <a:r>
-              <a:rPr lang="de-CH" sz="3600" dirty="0" smtClean="0"/>
-              <a:t>Client – Struktur</a:t>
+              <a:t>. Client – Struktur</a:t>
             </a:r>
             <a:endParaRPr lang="en-GB" sz="3600" dirty="0"/>
           </a:p>
@@ -8898,14 +9120,12 @@
               <a:rPr lang="de-CH" sz="2800" dirty="0" smtClean="0"/>
               <a:t>Postings anzeigen und erfassen</a:t>
             </a:r>
-            <a:endParaRPr lang="de-CH" sz="2800" dirty="0" smtClean="0"/>
           </a:p>
           <a:p>
             <a:r>
               <a:rPr lang="de-CH" sz="2800" dirty="0" smtClean="0"/>
               <a:t>Sortieiren/Filtern der Postings</a:t>
             </a:r>
-            <a:endParaRPr lang="de-CH" sz="2800" dirty="0" smtClean="0"/>
           </a:p>
           <a:p>
             <a:r>
@@ -9101,11 +9321,7 @@
             </a:r>
             <a:r>
               <a:rPr lang="de-CH" sz="3600" dirty="0" smtClean="0"/>
-              <a:t>. </a:t>
-            </a:r>
-            <a:r>
-              <a:rPr lang="de-CH" sz="3600" dirty="0" smtClean="0"/>
-              <a:t>Client – Features</a:t>
+              <a:t>. Client – Features</a:t>
             </a:r>
             <a:endParaRPr lang="en-GB" sz="3600" dirty="0"/>
           </a:p>
@@ -9358,11 +9574,7 @@
             </a:r>
             <a:r>
               <a:rPr lang="de-CH" sz="3600" dirty="0" smtClean="0"/>
-              <a:t>. </a:t>
-            </a:r>
-            <a:r>
-              <a:rPr lang="de-CH" sz="3600" dirty="0" smtClean="0"/>
-              <a:t>Client – Fehlende Features</a:t>
+              <a:t>. Client – Fehlende Features</a:t>
             </a:r>
             <a:endParaRPr lang="en-GB" sz="3600" dirty="0"/>
           </a:p>
@@ -9558,11 +9770,7 @@
             </a:r>
             <a:r>
               <a:rPr lang="de-CH" sz="3600" dirty="0" smtClean="0"/>
-              <a:t>. Server </a:t>
-            </a:r>
-            <a:r>
-              <a:rPr lang="de-CH" sz="3600" dirty="0" smtClean="0"/>
-              <a:t>– Übersicht</a:t>
+              <a:t>. Server – Übersicht</a:t>
             </a:r>
             <a:endParaRPr lang="en-GB" sz="3600" dirty="0"/>
           </a:p>
@@ -9814,11 +10022,7 @@
             </a:r>
             <a:r>
               <a:rPr lang="de-CH" sz="3600" dirty="0" smtClean="0"/>
-              <a:t>. Server </a:t>
-            </a:r>
-            <a:r>
-              <a:rPr lang="de-CH" sz="3600" dirty="0" smtClean="0"/>
-              <a:t>– Datenbank</a:t>
+              <a:t>. Server – Datenbank</a:t>
             </a:r>
             <a:endParaRPr lang="en-GB" sz="3600" dirty="0"/>
           </a:p>
@@ -10162,15 +10366,7 @@
             </a:r>
             <a:r>
               <a:rPr lang="de-CH" sz="3600" dirty="0" smtClean="0"/>
-              <a:t>. Server </a:t>
-            </a:r>
-            <a:r>
-              <a:rPr lang="de-CH" sz="3600" dirty="0" smtClean="0"/>
-              <a:t>– </a:t>
-            </a:r>
-            <a:r>
-              <a:rPr lang="de-CH" sz="3600" dirty="0" smtClean="0"/>
-              <a:t>Aufbau der Software</a:t>
+              <a:t>. Server – Aufbau der Software</a:t>
             </a:r>
             <a:endParaRPr lang="en-GB" sz="3600" dirty="0"/>
           </a:p>

--- a/doc/shreddit3.pptx
+++ b/doc/shreddit3.pptx
@@ -15,11 +15,12 @@
     <p:sldId id="260" r:id="rId9"/>
     <p:sldId id="261" r:id="rId10"/>
     <p:sldId id="270" r:id="rId11"/>
-    <p:sldId id="262" r:id="rId12"/>
-    <p:sldId id="263" r:id="rId13"/>
-    <p:sldId id="264" r:id="rId14"/>
-    <p:sldId id="265" r:id="rId15"/>
-    <p:sldId id="266" r:id="rId16"/>
+    <p:sldId id="271" r:id="rId12"/>
+    <p:sldId id="262" r:id="rId13"/>
+    <p:sldId id="263" r:id="rId14"/>
+    <p:sldId id="264" r:id="rId15"/>
+    <p:sldId id="265" r:id="rId16"/>
+    <p:sldId id="266" r:id="rId17"/>
   </p:sldIdLst>
   <p:sldSz cx="9144000" cy="6858000" type="screen4x3"/>
   <p:notesSz cx="6858000" cy="9144000"/>
@@ -3407,7 +3408,1053 @@
             </a:r>
             <a:r>
               <a:rPr lang="de-CH" sz="3600" dirty="0" smtClean="0"/>
-              <a:t>Dateistruktur</a:t>
+              <a:t>DB-Struktur</a:t>
+            </a:r>
+            <a:endParaRPr lang="en-GB" sz="3600" dirty="0"/>
+          </a:p>
+        </p:txBody>
+      </p:sp>
+      <p:sp>
+        <p:nvSpPr>
+          <p:cNvPr id="2" name="Content Placeholder 1"/>
+          <p:cNvSpPr>
+            <a:spLocks noGrp="1"/>
+          </p:cNvSpPr>
+          <p:nvPr>
+            <p:ph idx="1"/>
+          </p:nvPr>
+        </p:nvSpPr>
+        <p:spPr>
+          <a:xfrm>
+            <a:off x="457200" y="1600200"/>
+            <a:ext cx="4042792" cy="4525963"/>
+          </a:xfrm>
+        </p:spPr>
+        <p:txBody>
+          <a:bodyPr>
+            <a:noAutofit/>
+          </a:bodyPr>
+          <a:lstStyle/>
+          <a:p>
+            <a:pPr marL="0" indent="0">
+              <a:buNone/>
+            </a:pPr>
+            <a:r>
+              <a:rPr lang="en-GB" sz="1050" b="1" dirty="0" smtClean="0"/>
+              <a:t>User-DB</a:t>
+            </a:r>
+            <a:endParaRPr lang="en-GB" sz="1050" b="1" dirty="0"/>
+          </a:p>
+          <a:p>
+            <a:pPr marL="0" indent="0">
+              <a:buNone/>
+            </a:pPr>
+            <a:r>
+              <a:rPr lang="en-GB" sz="1050" dirty="0"/>
+              <a:t>{"</a:t>
+            </a:r>
+            <a:r>
+              <a:rPr lang="en-GB" sz="1050" b="1" dirty="0"/>
+              <a:t>_id</a:t>
+            </a:r>
+            <a:r>
+              <a:rPr lang="en-GB" sz="1050" dirty="0"/>
+              <a:t>":"</a:t>
+            </a:r>
+            <a:r>
+              <a:rPr lang="en-GB" sz="1050" dirty="0" err="1"/>
+              <a:t>newUser</a:t>
+            </a:r>
+            <a:r>
+              <a:rPr lang="en-GB" sz="1050" dirty="0"/>
+              <a:t>",</a:t>
+            </a:r>
+          </a:p>
+          <a:p>
+            <a:pPr marL="0" indent="0">
+              <a:buNone/>
+            </a:pPr>
+            <a:r>
+              <a:rPr lang="en-GB" sz="1050" dirty="0"/>
+              <a:t>"</a:t>
+            </a:r>
+            <a:r>
+              <a:rPr lang="en-GB" sz="1050" b="1" dirty="0"/>
+              <a:t>password</a:t>
+            </a:r>
+            <a:r>
+              <a:rPr lang="en-GB" sz="1050" dirty="0"/>
+              <a:t>":"</a:t>
+            </a:r>
+            <a:r>
+              <a:rPr lang="en-GB" sz="1050" dirty="0" smtClean="0"/>
+              <a:t>7c4a8d0…494f8941b</a:t>
+            </a:r>
+            <a:r>
+              <a:rPr lang="en-GB" sz="1050" dirty="0"/>
+              <a:t>",</a:t>
+            </a:r>
+          </a:p>
+          <a:p>
+            <a:pPr marL="0" indent="0">
+              <a:buNone/>
+            </a:pPr>
+            <a:r>
+              <a:rPr lang="en-GB" sz="1050" dirty="0"/>
+              <a:t>"</a:t>
+            </a:r>
+            <a:r>
+              <a:rPr lang="en-GB" sz="1050" b="1" dirty="0" err="1"/>
+              <a:t>email</a:t>
+            </a:r>
+            <a:r>
+              <a:rPr lang="en-GB" sz="1050" dirty="0" err="1"/>
+              <a:t>":"newUser@hsr.ch</a:t>
+            </a:r>
+            <a:r>
+              <a:rPr lang="en-GB" sz="1050" dirty="0"/>
+              <a:t>",</a:t>
+            </a:r>
+          </a:p>
+          <a:p>
+            <a:pPr marL="0" indent="0">
+              <a:buNone/>
+            </a:pPr>
+            <a:r>
+              <a:rPr lang="en-GB" sz="1050" dirty="0"/>
+              <a:t>"_</a:t>
+            </a:r>
+            <a:r>
+              <a:rPr lang="en-GB" sz="1050" b="1" dirty="0"/>
+              <a:t>version</a:t>
+            </a:r>
+            <a:r>
+              <a:rPr lang="en-GB" sz="1050" dirty="0"/>
+              <a:t>":1,</a:t>
+            </a:r>
+          </a:p>
+          <a:p>
+            <a:pPr marL="0" indent="0">
+              <a:buNone/>
+            </a:pPr>
+            <a:r>
+              <a:rPr lang="en-GB" sz="1050" dirty="0"/>
+              <a:t>"</a:t>
+            </a:r>
+            <a:r>
+              <a:rPr lang="en-GB" sz="1050" b="1" dirty="0"/>
+              <a:t>since</a:t>
+            </a:r>
+            <a:r>
+              <a:rPr lang="en-GB" sz="1050" dirty="0"/>
+              <a:t>":"2014-07-04T10:44:00.000Z",</a:t>
+            </a:r>
+          </a:p>
+          <a:p>
+            <a:pPr marL="0" indent="0">
+              <a:buNone/>
+            </a:pPr>
+            <a:r>
+              <a:rPr lang="en-GB" sz="1050" dirty="0"/>
+              <a:t>"</a:t>
+            </a:r>
+            <a:r>
+              <a:rPr lang="en-GB" sz="1050" b="1" dirty="0" err="1"/>
+              <a:t>locale</a:t>
+            </a:r>
+            <a:r>
+              <a:rPr lang="en-GB" sz="1050" dirty="0" err="1"/>
+              <a:t>":"EN</a:t>
+            </a:r>
+            <a:r>
+              <a:rPr lang="en-GB" sz="1050" dirty="0"/>
+              <a:t>",</a:t>
+            </a:r>
+          </a:p>
+          <a:p>
+            <a:pPr marL="0" indent="0">
+              <a:buNone/>
+            </a:pPr>
+            <a:r>
+              <a:rPr lang="en-GB" sz="1050" dirty="0"/>
+              <a:t>"</a:t>
+            </a:r>
+            <a:r>
+              <a:rPr lang="en-GB" sz="1050" b="1" dirty="0" err="1"/>
+              <a:t>notify</a:t>
+            </a:r>
+            <a:r>
+              <a:rPr lang="en-GB" sz="1050" dirty="0" err="1"/>
+              <a:t>":"true</a:t>
+            </a:r>
+            <a:r>
+              <a:rPr lang="en-GB" sz="1050" dirty="0"/>
+              <a:t>",</a:t>
+            </a:r>
+          </a:p>
+          <a:p>
+            <a:pPr marL="0" indent="0">
+              <a:buNone/>
+            </a:pPr>
+            <a:r>
+              <a:rPr lang="en-GB" sz="1050" dirty="0"/>
+              <a:t>"</a:t>
+            </a:r>
+            <a:r>
+              <a:rPr lang="en-GB" sz="1050" b="1" dirty="0" err="1"/>
+              <a:t>admin</a:t>
+            </a:r>
+            <a:r>
+              <a:rPr lang="en-GB" sz="1050" dirty="0" err="1"/>
+              <a:t>":"false</a:t>
+            </a:r>
+            <a:r>
+              <a:rPr lang="en-GB" sz="1050" dirty="0" smtClean="0"/>
+              <a:t>"}</a:t>
+            </a:r>
+          </a:p>
+          <a:p>
+            <a:pPr marL="0" indent="0">
+              <a:buNone/>
+            </a:pPr>
+            <a:endParaRPr lang="en-GB" sz="1050" dirty="0"/>
+          </a:p>
+          <a:p>
+            <a:pPr marL="0" indent="0">
+              <a:buNone/>
+            </a:pPr>
+            <a:r>
+              <a:rPr lang="en-GB" sz="1050" b="1" dirty="0"/>
+              <a:t>Posting-DB</a:t>
+            </a:r>
+          </a:p>
+          <a:p>
+            <a:pPr marL="0" indent="0">
+              <a:buNone/>
+            </a:pPr>
+            <a:r>
+              <a:rPr lang="en-GB" sz="1050" dirty="0"/>
+              <a:t>{"</a:t>
+            </a:r>
+            <a:r>
+              <a:rPr lang="en-GB" sz="1050" b="1" dirty="0" err="1"/>
+              <a:t>title</a:t>
+            </a:r>
+            <a:r>
+              <a:rPr lang="en-GB" sz="1050" dirty="0" err="1"/>
+              <a:t>":"Testing</a:t>
+            </a:r>
+            <a:r>
+              <a:rPr lang="en-GB" sz="1050" dirty="0"/>
+              <a:t>",</a:t>
+            </a:r>
+          </a:p>
+          <a:p>
+            <a:pPr marL="0" indent="0">
+              <a:buNone/>
+            </a:pPr>
+            <a:r>
+              <a:rPr lang="en-GB" sz="1050" dirty="0"/>
+              <a:t>"</a:t>
+            </a:r>
+            <a:r>
+              <a:rPr lang="en-GB" sz="1050" b="1" dirty="0" err="1"/>
+              <a:t>user</a:t>
+            </a:r>
+            <a:r>
+              <a:rPr lang="en-GB" sz="1050" dirty="0" err="1"/>
+              <a:t>":"tester</a:t>
+            </a:r>
+            <a:r>
+              <a:rPr lang="en-GB" sz="1050" dirty="0"/>
+              <a:t>",</a:t>
+            </a:r>
+          </a:p>
+          <a:p>
+            <a:pPr marL="0" indent="0">
+              <a:buNone/>
+            </a:pPr>
+            <a:r>
+              <a:rPr lang="en-GB" sz="1050" dirty="0"/>
+              <a:t>"</a:t>
+            </a:r>
+            <a:r>
+              <a:rPr lang="en-GB" sz="1050" b="1" dirty="0"/>
+              <a:t>version</a:t>
+            </a:r>
+            <a:r>
+              <a:rPr lang="en-GB" sz="1050" dirty="0"/>
+              <a:t>":1,</a:t>
+            </a:r>
+          </a:p>
+          <a:p>
+            <a:pPr marL="0" indent="0">
+              <a:buNone/>
+            </a:pPr>
+            <a:r>
+              <a:rPr lang="en-GB" sz="1050" dirty="0"/>
+              <a:t>"</a:t>
+            </a:r>
+            <a:r>
+              <a:rPr lang="en-GB" sz="1050" b="1" dirty="0"/>
+              <a:t>time</a:t>
+            </a:r>
+            <a:r>
+              <a:rPr lang="en-GB" sz="1050" dirty="0"/>
+              <a:t>":"2014-11-30T12:02:29.245Z",</a:t>
+            </a:r>
+          </a:p>
+          <a:p>
+            <a:pPr marL="0" indent="0">
+              <a:buNone/>
+            </a:pPr>
+            <a:r>
+              <a:rPr lang="en-GB" sz="1050" dirty="0"/>
+              <a:t>"</a:t>
+            </a:r>
+            <a:r>
+              <a:rPr lang="en-GB" sz="1050" b="1" dirty="0"/>
+              <a:t>rating</a:t>
+            </a:r>
+            <a:r>
+              <a:rPr lang="en-GB" sz="1050" dirty="0"/>
+              <a:t>":"0.00",</a:t>
+            </a:r>
+          </a:p>
+          <a:p>
+            <a:pPr marL="0" indent="0">
+              <a:buNone/>
+            </a:pPr>
+            <a:r>
+              <a:rPr lang="en-GB" sz="1050" dirty="0"/>
+              <a:t>"</a:t>
+            </a:r>
+            <a:r>
+              <a:rPr lang="en-GB" sz="1050" b="1" dirty="0"/>
+              <a:t>people</a:t>
+            </a:r>
+            <a:r>
+              <a:rPr lang="en-GB" sz="1050" dirty="0"/>
+              <a:t>":"0",</a:t>
+            </a:r>
+          </a:p>
+          <a:p>
+            <a:pPr marL="0" indent="0">
+              <a:buNone/>
+            </a:pPr>
+            <a:r>
+              <a:rPr lang="en-GB" sz="1050" dirty="0"/>
+              <a:t>"</a:t>
+            </a:r>
+            <a:r>
+              <a:rPr lang="en-GB" sz="1050" b="1" dirty="0" err="1"/>
+              <a:t>link</a:t>
+            </a:r>
+            <a:r>
+              <a:rPr lang="en-GB" sz="1050" dirty="0" err="1"/>
+              <a:t>":"Testing</a:t>
+            </a:r>
+            <a:r>
+              <a:rPr lang="en-GB" sz="1050" dirty="0"/>
+              <a:t>",</a:t>
+            </a:r>
+          </a:p>
+          <a:p>
+            <a:pPr marL="0" indent="0">
+              <a:buNone/>
+            </a:pPr>
+            <a:r>
+              <a:rPr lang="en-GB" sz="1050" dirty="0"/>
+              <a:t>"</a:t>
+            </a:r>
+            <a:r>
+              <a:rPr lang="en-GB" sz="1050" b="1" dirty="0" err="1"/>
+              <a:t>url</a:t>
+            </a:r>
+            <a:r>
+              <a:rPr lang="en-GB" sz="1050" dirty="0"/>
+              <a:t>":"www.testing.ch",</a:t>
+            </a:r>
+          </a:p>
+          <a:p>
+            <a:pPr marL="0" indent="0">
+              <a:buNone/>
+            </a:pPr>
+            <a:r>
+              <a:rPr lang="en-GB" sz="1050" dirty="0"/>
+              <a:t>"</a:t>
+            </a:r>
+            <a:r>
+              <a:rPr lang="en-GB" sz="1050" b="1" dirty="0"/>
+              <a:t>commentCount</a:t>
+            </a:r>
+            <a:r>
+              <a:rPr lang="en-GB" sz="1050" dirty="0"/>
+              <a:t>":0,</a:t>
+            </a:r>
+          </a:p>
+          <a:p>
+            <a:pPr marL="0" indent="0">
+              <a:buNone/>
+            </a:pPr>
+            <a:r>
+              <a:rPr lang="en-GB" sz="1050" dirty="0"/>
+              <a:t>"</a:t>
+            </a:r>
+            <a:r>
+              <a:rPr lang="en-GB" sz="1050" b="1" dirty="0" err="1"/>
+              <a:t>tags</a:t>
+            </a:r>
+            <a:r>
+              <a:rPr lang="en-GB" sz="1050" dirty="0" err="1"/>
+              <a:t>":"test</a:t>
+            </a:r>
+            <a:r>
+              <a:rPr lang="en-GB" sz="1050" dirty="0"/>
+              <a:t>",</a:t>
+            </a:r>
+          </a:p>
+          <a:p>
+            <a:pPr marL="0" indent="0">
+              <a:buNone/>
+            </a:pPr>
+            <a:r>
+              <a:rPr lang="en-GB" sz="1050" dirty="0"/>
+              <a:t>"</a:t>
+            </a:r>
+            <a:r>
+              <a:rPr lang="en-GB" sz="1050" b="1" dirty="0" err="1"/>
+              <a:t>content</a:t>
+            </a:r>
+            <a:r>
+              <a:rPr lang="en-GB" sz="1050" dirty="0" err="1"/>
+              <a:t>":"we</a:t>
+            </a:r>
+            <a:r>
+              <a:rPr lang="en-GB" sz="1050" dirty="0"/>
+              <a:t> test the shreddit3",</a:t>
+            </a:r>
+          </a:p>
+          <a:p>
+            <a:pPr marL="0" indent="0">
+              <a:buNone/>
+            </a:pPr>
+            <a:r>
+              <a:rPr lang="en-GB" sz="1050" dirty="0"/>
+              <a:t>"</a:t>
+            </a:r>
+            <a:r>
+              <a:rPr lang="en-GB" sz="1050" b="1" dirty="0"/>
+              <a:t>_id</a:t>
+            </a:r>
+            <a:r>
+              <a:rPr lang="en-GB" sz="1050" dirty="0"/>
+              <a:t>":"BG3fY0gikybQrgi0</a:t>
+            </a:r>
+            <a:r>
+              <a:rPr lang="en-GB" sz="1050" dirty="0" smtClean="0"/>
+              <a:t>"}</a:t>
+            </a:r>
+          </a:p>
+        </p:txBody>
+      </p:sp>
+      <p:sp>
+        <p:nvSpPr>
+          <p:cNvPr id="7" name="Content Placeholder 1"/>
+          <p:cNvSpPr txBox="1">
+            <a:spLocks/>
+          </p:cNvSpPr>
+          <p:nvPr/>
+        </p:nvSpPr>
+        <p:spPr>
+          <a:xfrm>
+            <a:off x="4647621" y="1602000"/>
+            <a:ext cx="4042792" cy="4525963"/>
+          </a:xfrm>
+          <a:prstGeom prst="rect">
+            <a:avLst/>
+          </a:prstGeom>
+        </p:spPr>
+        <p:txBody>
+          <a:bodyPr vert="horz" lIns="91440" tIns="45720" rIns="91440" bIns="45720" rtlCol="0">
+            <a:normAutofit/>
+          </a:bodyPr>
+          <a:lstStyle>
+            <a:lvl1pPr marL="342900" indent="-342900" algn="l" defTabSz="914400" rtl="0" eaLnBrk="1" latinLnBrk="0" hangingPunct="1">
+              <a:spcBef>
+                <a:spcPct val="20000"/>
+              </a:spcBef>
+              <a:buFont typeface="Arial" panose="020B0604020202020204" pitchFamily="34" charset="0"/>
+              <a:buChar char="•"/>
+              <a:defRPr sz="3200" kern="1200">
+                <a:solidFill>
+                  <a:schemeClr val="tx1"/>
+                </a:solidFill>
+                <a:latin typeface="+mn-lt"/>
+                <a:ea typeface="+mn-ea"/>
+                <a:cs typeface="+mn-cs"/>
+              </a:defRPr>
+            </a:lvl1pPr>
+            <a:lvl2pPr marL="742950" indent="-285750" algn="l" defTabSz="914400" rtl="0" eaLnBrk="1" latinLnBrk="0" hangingPunct="1">
+              <a:spcBef>
+                <a:spcPct val="20000"/>
+              </a:spcBef>
+              <a:buFont typeface="Arial" panose="020B0604020202020204" pitchFamily="34" charset="0"/>
+              <a:buChar char="–"/>
+              <a:defRPr sz="2800" kern="1200">
+                <a:solidFill>
+                  <a:schemeClr val="tx1"/>
+                </a:solidFill>
+                <a:latin typeface="+mn-lt"/>
+                <a:ea typeface="+mn-ea"/>
+                <a:cs typeface="+mn-cs"/>
+              </a:defRPr>
+            </a:lvl2pPr>
+            <a:lvl3pPr marL="1143000" indent="-228600" algn="l" defTabSz="914400" rtl="0" eaLnBrk="1" latinLnBrk="0" hangingPunct="1">
+              <a:spcBef>
+                <a:spcPct val="20000"/>
+              </a:spcBef>
+              <a:buFont typeface="Arial" panose="020B0604020202020204" pitchFamily="34" charset="0"/>
+              <a:buChar char="•"/>
+              <a:defRPr sz="2400" kern="1200">
+                <a:solidFill>
+                  <a:schemeClr val="tx1"/>
+                </a:solidFill>
+                <a:latin typeface="+mn-lt"/>
+                <a:ea typeface="+mn-ea"/>
+                <a:cs typeface="+mn-cs"/>
+              </a:defRPr>
+            </a:lvl3pPr>
+            <a:lvl4pPr marL="1600200" indent="-228600" algn="l" defTabSz="914400" rtl="0" eaLnBrk="1" latinLnBrk="0" hangingPunct="1">
+              <a:spcBef>
+                <a:spcPct val="20000"/>
+              </a:spcBef>
+              <a:buFont typeface="Arial" panose="020B0604020202020204" pitchFamily="34" charset="0"/>
+              <a:buChar char="–"/>
+              <a:defRPr sz="2000" kern="1200">
+                <a:solidFill>
+                  <a:schemeClr val="tx1"/>
+                </a:solidFill>
+                <a:latin typeface="+mn-lt"/>
+                <a:ea typeface="+mn-ea"/>
+                <a:cs typeface="+mn-cs"/>
+              </a:defRPr>
+            </a:lvl4pPr>
+            <a:lvl5pPr marL="2057400" indent="-228600" algn="l" defTabSz="914400" rtl="0" eaLnBrk="1" latinLnBrk="0" hangingPunct="1">
+              <a:spcBef>
+                <a:spcPct val="20000"/>
+              </a:spcBef>
+              <a:buFont typeface="Arial" panose="020B0604020202020204" pitchFamily="34" charset="0"/>
+              <a:buChar char="»"/>
+              <a:defRPr sz="2000" kern="1200">
+                <a:solidFill>
+                  <a:schemeClr val="tx1"/>
+                </a:solidFill>
+                <a:latin typeface="+mn-lt"/>
+                <a:ea typeface="+mn-ea"/>
+                <a:cs typeface="+mn-cs"/>
+              </a:defRPr>
+            </a:lvl5pPr>
+            <a:lvl6pPr marL="2514600" indent="-228600" algn="l" defTabSz="914400" rtl="0" eaLnBrk="1" latinLnBrk="0" hangingPunct="1">
+              <a:spcBef>
+                <a:spcPct val="20000"/>
+              </a:spcBef>
+              <a:buFont typeface="Arial" panose="020B0604020202020204" pitchFamily="34" charset="0"/>
+              <a:buChar char="•"/>
+              <a:defRPr sz="2000" kern="1200">
+                <a:solidFill>
+                  <a:schemeClr val="tx1"/>
+                </a:solidFill>
+                <a:latin typeface="+mn-lt"/>
+                <a:ea typeface="+mn-ea"/>
+                <a:cs typeface="+mn-cs"/>
+              </a:defRPr>
+            </a:lvl6pPr>
+            <a:lvl7pPr marL="2971800" indent="-228600" algn="l" defTabSz="914400" rtl="0" eaLnBrk="1" latinLnBrk="0" hangingPunct="1">
+              <a:spcBef>
+                <a:spcPct val="20000"/>
+              </a:spcBef>
+              <a:buFont typeface="Arial" panose="020B0604020202020204" pitchFamily="34" charset="0"/>
+              <a:buChar char="•"/>
+              <a:defRPr sz="2000" kern="1200">
+                <a:solidFill>
+                  <a:schemeClr val="tx1"/>
+                </a:solidFill>
+                <a:latin typeface="+mn-lt"/>
+                <a:ea typeface="+mn-ea"/>
+                <a:cs typeface="+mn-cs"/>
+              </a:defRPr>
+            </a:lvl7pPr>
+            <a:lvl8pPr marL="3429000" indent="-228600" algn="l" defTabSz="914400" rtl="0" eaLnBrk="1" latinLnBrk="0" hangingPunct="1">
+              <a:spcBef>
+                <a:spcPct val="20000"/>
+              </a:spcBef>
+              <a:buFont typeface="Arial" panose="020B0604020202020204" pitchFamily="34" charset="0"/>
+              <a:buChar char="•"/>
+              <a:defRPr sz="2000" kern="1200">
+                <a:solidFill>
+                  <a:schemeClr val="tx1"/>
+                </a:solidFill>
+                <a:latin typeface="+mn-lt"/>
+                <a:ea typeface="+mn-ea"/>
+                <a:cs typeface="+mn-cs"/>
+              </a:defRPr>
+            </a:lvl8pPr>
+            <a:lvl9pPr marL="3886200" indent="-228600" algn="l" defTabSz="914400" rtl="0" eaLnBrk="1" latinLnBrk="0" hangingPunct="1">
+              <a:spcBef>
+                <a:spcPct val="20000"/>
+              </a:spcBef>
+              <a:buFont typeface="Arial" panose="020B0604020202020204" pitchFamily="34" charset="0"/>
+              <a:buChar char="•"/>
+              <a:defRPr sz="2000" kern="1200">
+                <a:solidFill>
+                  <a:schemeClr val="tx1"/>
+                </a:solidFill>
+                <a:latin typeface="+mn-lt"/>
+                <a:ea typeface="+mn-ea"/>
+                <a:cs typeface="+mn-cs"/>
+              </a:defRPr>
+            </a:lvl9pPr>
+          </a:lstStyle>
+          <a:p>
+            <a:pPr marL="0" indent="0">
+              <a:buFont typeface="Arial" panose="020B0604020202020204" pitchFamily="34" charset="0"/>
+              <a:buNone/>
+            </a:pPr>
+            <a:r>
+              <a:rPr lang="en-GB" sz="1100" b="1" dirty="0" smtClean="0"/>
+              <a:t>Comment-DB</a:t>
+            </a:r>
+          </a:p>
+          <a:p>
+            <a:pPr marL="0" indent="0">
+              <a:buFont typeface="Arial" panose="020B0604020202020204" pitchFamily="34" charset="0"/>
+              <a:buNone/>
+            </a:pPr>
+            <a:r>
+              <a:rPr lang="en-GB" sz="1100" dirty="0" smtClean="0"/>
+              <a:t>{"</a:t>
+            </a:r>
+            <a:r>
+              <a:rPr lang="en-GB" sz="1100" b="1" dirty="0" smtClean="0"/>
+              <a:t>pid</a:t>
+            </a:r>
+            <a:r>
+              <a:rPr lang="en-GB" sz="1100" dirty="0" smtClean="0"/>
+              <a:t>":"BG3fY0gikybQrgi0",</a:t>
+            </a:r>
+          </a:p>
+          <a:p>
+            <a:pPr marL="0" indent="0">
+              <a:buFont typeface="Arial" panose="020B0604020202020204" pitchFamily="34" charset="0"/>
+              <a:buNone/>
+            </a:pPr>
+            <a:r>
+              <a:rPr lang="en-GB" sz="1100" dirty="0" smtClean="0"/>
+              <a:t>"</a:t>
+            </a:r>
+            <a:r>
+              <a:rPr lang="en-GB" sz="1100" b="1" dirty="0" err="1" smtClean="0"/>
+              <a:t>user</a:t>
+            </a:r>
+            <a:r>
+              <a:rPr lang="en-GB" sz="1100" dirty="0" err="1" smtClean="0"/>
+              <a:t>":"tester</a:t>
+            </a:r>
+            <a:r>
+              <a:rPr lang="en-GB" sz="1100" dirty="0" smtClean="0"/>
+              <a:t>",</a:t>
+            </a:r>
+          </a:p>
+          <a:p>
+            <a:pPr marL="0" indent="0">
+              <a:buFont typeface="Arial" panose="020B0604020202020204" pitchFamily="34" charset="0"/>
+              <a:buNone/>
+            </a:pPr>
+            <a:r>
+              <a:rPr lang="en-GB" sz="1100" dirty="0" smtClean="0"/>
+              <a:t>"</a:t>
+            </a:r>
+            <a:r>
+              <a:rPr lang="en-GB" sz="1100" b="1" dirty="0" smtClean="0"/>
+              <a:t>time</a:t>
+            </a:r>
+            <a:r>
+              <a:rPr lang="en-GB" sz="1100" dirty="0" smtClean="0"/>
+              <a:t>":"2014-11-30T13:44:15.343Z",</a:t>
+            </a:r>
+          </a:p>
+          <a:p>
+            <a:pPr marL="0" indent="0">
+              <a:buFont typeface="Arial" panose="020B0604020202020204" pitchFamily="34" charset="0"/>
+              <a:buNone/>
+            </a:pPr>
+            <a:r>
+              <a:rPr lang="en-GB" sz="1100" dirty="0" smtClean="0"/>
+              <a:t>"</a:t>
+            </a:r>
+            <a:r>
+              <a:rPr lang="en-GB" sz="1100" b="1" dirty="0" err="1" smtClean="0"/>
+              <a:t>comment</a:t>
+            </a:r>
+            <a:r>
+              <a:rPr lang="en-GB" sz="1100" dirty="0" err="1" smtClean="0"/>
+              <a:t>":"this</a:t>
+            </a:r>
+            <a:r>
+              <a:rPr lang="en-GB" sz="1100" dirty="0" smtClean="0"/>
+              <a:t> is a comment for </a:t>
+            </a:r>
+            <a:r>
+              <a:rPr lang="en-GB" sz="1100" dirty="0" err="1" smtClean="0"/>
+              <a:t>Morologie</a:t>
+            </a:r>
+            <a:r>
+              <a:rPr lang="en-GB" sz="1100" dirty="0" smtClean="0"/>
+              <a:t>.",</a:t>
+            </a:r>
+          </a:p>
+          <a:p>
+            <a:pPr marL="0" indent="0">
+              <a:buFont typeface="Arial" panose="020B0604020202020204" pitchFamily="34" charset="0"/>
+              <a:buNone/>
+            </a:pPr>
+            <a:r>
+              <a:rPr lang="en-GB" sz="1100" dirty="0" smtClean="0"/>
+              <a:t>"</a:t>
+            </a:r>
+            <a:r>
+              <a:rPr lang="en-GB" sz="1100" b="1" dirty="0" err="1" smtClean="0"/>
+              <a:t>response</a:t>
+            </a:r>
+            <a:r>
+              <a:rPr lang="en-GB" sz="1100" dirty="0" err="1" smtClean="0"/>
+              <a:t>":"bie@example.com</a:t>
+            </a:r>
+            <a:r>
+              <a:rPr lang="en-GB" sz="1100" dirty="0" smtClean="0"/>
+              <a:t>",</a:t>
+            </a:r>
+          </a:p>
+          <a:p>
+            <a:pPr marL="0" indent="0">
+              <a:buFont typeface="Arial" panose="020B0604020202020204" pitchFamily="34" charset="0"/>
+              <a:buNone/>
+            </a:pPr>
+            <a:r>
+              <a:rPr lang="en-GB" sz="1100" dirty="0" smtClean="0"/>
+              <a:t>"</a:t>
+            </a:r>
+            <a:r>
+              <a:rPr lang="en-GB" sz="1100" b="1" dirty="0" smtClean="0"/>
+              <a:t>_id</a:t>
+            </a:r>
+            <a:r>
+              <a:rPr lang="en-GB" sz="1100" dirty="0" smtClean="0"/>
+              <a:t>":"3DomEQPiDEiWLuIO"}</a:t>
+            </a:r>
+          </a:p>
+          <a:p>
+            <a:pPr marL="0" indent="0">
+              <a:buFont typeface="Arial" panose="020B0604020202020204" pitchFamily="34" charset="0"/>
+              <a:buNone/>
+            </a:pPr>
+            <a:endParaRPr lang="en-GB" sz="1100" dirty="0" smtClean="0"/>
+          </a:p>
+          <a:p>
+            <a:pPr marL="0" indent="0">
+              <a:buFont typeface="Arial" panose="020B0604020202020204" pitchFamily="34" charset="0"/>
+              <a:buNone/>
+            </a:pPr>
+            <a:r>
+              <a:rPr lang="en-GB" sz="1100" b="1" dirty="0" smtClean="0"/>
+              <a:t>Rating-DB</a:t>
+            </a:r>
+          </a:p>
+          <a:p>
+            <a:pPr marL="0" indent="0">
+              <a:buFont typeface="Arial" panose="020B0604020202020204" pitchFamily="34" charset="0"/>
+              <a:buNone/>
+            </a:pPr>
+            <a:r>
+              <a:rPr lang="en-GB" sz="1100" dirty="0" smtClean="0"/>
+              <a:t>{"</a:t>
+            </a:r>
+            <a:r>
+              <a:rPr lang="en-GB" sz="1100" b="1" dirty="0" smtClean="0"/>
+              <a:t>_id</a:t>
+            </a:r>
+            <a:r>
+              <a:rPr lang="en-GB" sz="1100" dirty="0" smtClean="0"/>
+              <a:t>":"ME4QWkUBSZ4dEZQx",</a:t>
+            </a:r>
+          </a:p>
+          <a:p>
+            <a:pPr marL="0" indent="0">
+              <a:buFont typeface="Arial" panose="020B0604020202020204" pitchFamily="34" charset="0"/>
+              <a:buNone/>
+            </a:pPr>
+            <a:r>
+              <a:rPr lang="en-GB" sz="1100" dirty="0" smtClean="0"/>
+              <a:t>"</a:t>
+            </a:r>
+            <a:r>
+              <a:rPr lang="en-GB" sz="1100" b="1" dirty="0" smtClean="0"/>
+              <a:t>_count</a:t>
+            </a:r>
+            <a:r>
+              <a:rPr lang="en-GB" sz="1100" dirty="0" smtClean="0"/>
+              <a:t>":1,</a:t>
+            </a:r>
+          </a:p>
+          <a:p>
+            <a:pPr marL="0" indent="0">
+              <a:buFont typeface="Arial" panose="020B0604020202020204" pitchFamily="34" charset="0"/>
+              <a:buNone/>
+            </a:pPr>
+            <a:r>
+              <a:rPr lang="en-GB" sz="1100" dirty="0" smtClean="0"/>
+              <a:t>"</a:t>
+            </a:r>
+            <a:r>
+              <a:rPr lang="en-GB" sz="1100" b="1" dirty="0" smtClean="0"/>
+              <a:t>_average</a:t>
+            </a:r>
+            <a:r>
+              <a:rPr lang="en-GB" sz="1100" dirty="0" smtClean="0"/>
+              <a:t>":4,</a:t>
+            </a:r>
+          </a:p>
+          <a:p>
+            <a:pPr marL="0" indent="0">
+              <a:buFont typeface="Arial" panose="020B0604020202020204" pitchFamily="34" charset="0"/>
+              <a:buNone/>
+            </a:pPr>
+            <a:r>
+              <a:rPr lang="en-GB" sz="1100" dirty="0" smtClean="0"/>
+              <a:t>"</a:t>
+            </a:r>
+            <a:r>
+              <a:rPr lang="en-GB" sz="1100" b="1" dirty="0" smtClean="0"/>
+              <a:t>_version</a:t>
+            </a:r>
+            <a:r>
+              <a:rPr lang="en-GB" sz="1100" dirty="0" smtClean="0"/>
+              <a:t>":1,</a:t>
+            </a:r>
+          </a:p>
+          <a:p>
+            <a:pPr marL="0" indent="0">
+              <a:buFont typeface="Arial" panose="020B0604020202020204" pitchFamily="34" charset="0"/>
+              <a:buNone/>
+            </a:pPr>
+            <a:r>
+              <a:rPr lang="en-GB" sz="1100" dirty="0" smtClean="0"/>
+              <a:t>"</a:t>
+            </a:r>
+            <a:r>
+              <a:rPr lang="en-GB" sz="1100" b="1" dirty="0" smtClean="0"/>
+              <a:t>tester</a:t>
+            </a:r>
+            <a:r>
+              <a:rPr lang="en-GB" sz="1100" dirty="0" smtClean="0"/>
+              <a:t>":4}</a:t>
+            </a:r>
+            <a:endParaRPr lang="en-GB" sz="1100" dirty="0"/>
+          </a:p>
+        </p:txBody>
+      </p:sp>
+    </p:spTree>
+    <p:extLst>
+      <p:ext uri="{BB962C8B-B14F-4D97-AF65-F5344CB8AC3E}">
+        <p14:creationId xmlns:p14="http://schemas.microsoft.com/office/powerpoint/2010/main" val="1900733156"/>
+      </p:ext>
+    </p:extLst>
+  </p:cSld>
+  <p:clrMapOvr>
+    <a:masterClrMapping/>
+  </p:clrMapOvr>
+  <p:timing>
+    <p:tnLst>
+      <p:par>
+        <p:cTn id="1" dur="indefinite" restart="never" nodeType="tmRoot"/>
+      </p:par>
+    </p:tnLst>
+  </p:timing>
+</p:sld>
+</file>
+
+<file path=ppt/slides/slide11.xml><?xml version="1.0" encoding="utf-8"?>
+<p:sld xmlns:a="http://schemas.openxmlformats.org/drawingml/2006/main" xmlns:r="http://schemas.openxmlformats.org/officeDocument/2006/relationships" xmlns:p="http://schemas.openxmlformats.org/presentationml/2006/main">
+  <p:cSld>
+    <p:spTree>
+      <p:nvGrpSpPr>
+        <p:cNvPr id="1" name=""/>
+        <p:cNvGrpSpPr/>
+        <p:nvPr/>
+      </p:nvGrpSpPr>
+      <p:grpSpPr>
+        <a:xfrm>
+          <a:off x="0" y="0"/>
+          <a:ext cx="0" cy="0"/>
+          <a:chOff x="0" y="0"/>
+          <a:chExt cx="0" cy="0"/>
+        </a:xfrm>
+      </p:grpSpPr>
+      <p:sp>
+        <p:nvSpPr>
+          <p:cNvPr id="4" name="Title 1"/>
+          <p:cNvSpPr txBox="1">
+            <a:spLocks/>
+          </p:cNvSpPr>
+          <p:nvPr/>
+        </p:nvSpPr>
+        <p:spPr>
+          <a:xfrm>
+            <a:off x="4355976" y="260648"/>
+            <a:ext cx="4334437" cy="346050"/>
+          </a:xfrm>
+          <a:prstGeom prst="rect">
+            <a:avLst/>
+          </a:prstGeom>
+          <a:solidFill>
+            <a:srgbClr val="B674AF"/>
+          </a:solidFill>
+        </p:spPr>
+        <p:txBody>
+          <a:bodyPr vert="horz" lIns="91440" tIns="45720" rIns="91440" bIns="45720" rtlCol="0" anchor="ctr">
+            <a:normAutofit/>
+          </a:bodyPr>
+          <a:lstStyle>
+            <a:lvl1pPr algn="ctr" defTabSz="914400" rtl="0" eaLnBrk="1" latinLnBrk="0" hangingPunct="1">
+              <a:spcBef>
+                <a:spcPct val="0"/>
+              </a:spcBef>
+              <a:buNone/>
+              <a:defRPr sz="4400" kern="1200">
+                <a:solidFill>
+                  <a:schemeClr val="tx1"/>
+                </a:solidFill>
+                <a:latin typeface="+mj-lt"/>
+                <a:ea typeface="+mj-ea"/>
+                <a:cs typeface="+mj-cs"/>
+              </a:defRPr>
+            </a:lvl1pPr>
+          </a:lstStyle>
+          <a:p>
+            <a:pPr algn="r"/>
+            <a:r>
+              <a:rPr lang="de-CH" sz="1600" dirty="0" smtClean="0">
+                <a:solidFill>
+                  <a:srgbClr val="FFFFE0"/>
+                </a:solidFill>
+              </a:rPr>
+              <a:t>2Rolf FmbH</a:t>
+            </a:r>
+            <a:endParaRPr lang="en-GB" sz="1600" dirty="0">
+              <a:solidFill>
+                <a:srgbClr val="FFFFE0"/>
+              </a:solidFill>
+            </a:endParaRPr>
+          </a:p>
+        </p:txBody>
+      </p:sp>
+      <p:sp>
+        <p:nvSpPr>
+          <p:cNvPr id="6" name="Title 1"/>
+          <p:cNvSpPr txBox="1">
+            <a:spLocks/>
+          </p:cNvSpPr>
+          <p:nvPr/>
+        </p:nvSpPr>
+        <p:spPr>
+          <a:xfrm>
+            <a:off x="457200" y="260648"/>
+            <a:ext cx="4042792" cy="346050"/>
+          </a:xfrm>
+          <a:prstGeom prst="rect">
+            <a:avLst/>
+          </a:prstGeom>
+          <a:solidFill>
+            <a:srgbClr val="B674AF"/>
+          </a:solidFill>
+        </p:spPr>
+        <p:txBody>
+          <a:bodyPr vert="horz" lIns="91440" tIns="45720" rIns="91440" bIns="45720" rtlCol="0" anchor="ctr">
+            <a:normAutofit/>
+          </a:bodyPr>
+          <a:lstStyle>
+            <a:lvl1pPr algn="ctr" defTabSz="914400" rtl="0" eaLnBrk="1" latinLnBrk="0" hangingPunct="1">
+              <a:spcBef>
+                <a:spcPct val="0"/>
+              </a:spcBef>
+              <a:buNone/>
+              <a:defRPr sz="4400" kern="1200">
+                <a:solidFill>
+                  <a:schemeClr val="tx1"/>
+                </a:solidFill>
+                <a:latin typeface="+mj-lt"/>
+                <a:ea typeface="+mj-ea"/>
+                <a:cs typeface="+mj-cs"/>
+              </a:defRPr>
+            </a:lvl1pPr>
+          </a:lstStyle>
+          <a:p>
+            <a:pPr algn="l"/>
+            <a:r>
+              <a:rPr lang="de-CH" sz="1600" smtClean="0">
+                <a:solidFill>
+                  <a:srgbClr val="FFFFE0"/>
+                </a:solidFill>
+                <a:latin typeface="Wingdings" panose="05000000000000000000" pitchFamily="2" charset="2"/>
+              </a:rPr>
+              <a:t>S</a:t>
+            </a:r>
+            <a:r>
+              <a:rPr lang="de-CH" sz="1600" smtClean="0">
+                <a:solidFill>
+                  <a:srgbClr val="FFFFE0"/>
+                </a:solidFill>
+              </a:rPr>
+              <a:t> S H R E D D I T ³</a:t>
+            </a:r>
+            <a:endParaRPr lang="en-GB" sz="1600" dirty="0">
+              <a:solidFill>
+                <a:srgbClr val="FFFFE0"/>
+              </a:solidFill>
+            </a:endParaRPr>
+          </a:p>
+        </p:txBody>
+      </p:sp>
+      <p:sp>
+        <p:nvSpPr>
+          <p:cNvPr id="8" name="TextBox 7"/>
+          <p:cNvSpPr txBox="1"/>
+          <p:nvPr/>
+        </p:nvSpPr>
+        <p:spPr>
+          <a:xfrm>
+            <a:off x="457200" y="692696"/>
+            <a:ext cx="8233213" cy="646331"/>
+          </a:xfrm>
+          <a:prstGeom prst="rect">
+            <a:avLst/>
+          </a:prstGeom>
+          <a:noFill/>
+        </p:spPr>
+        <p:txBody>
+          <a:bodyPr wrap="square" rtlCol="0">
+            <a:spAutoFit/>
+          </a:bodyPr>
+          <a:lstStyle/>
+          <a:p>
+            <a:r>
+              <a:rPr lang="de-CH" sz="3600" dirty="0"/>
+              <a:t>3</a:t>
+            </a:r>
+            <a:r>
+              <a:rPr lang="de-CH" sz="3600" dirty="0" smtClean="0"/>
+              <a:t>. Server – Dateistruktur</a:t>
             </a:r>
             <a:endParaRPr lang="en-GB" sz="3600" dirty="0"/>
           </a:p>
@@ -3472,299 +4519,7 @@
     </p:spTree>
     <p:extLst>
       <p:ext uri="{BB962C8B-B14F-4D97-AF65-F5344CB8AC3E}">
-        <p14:creationId xmlns:p14="http://schemas.microsoft.com/office/powerpoint/2010/main" val="1900733156"/>
-      </p:ext>
-    </p:extLst>
-  </p:cSld>
-  <p:clrMapOvr>
-    <a:masterClrMapping/>
-  </p:clrMapOvr>
-  <p:timing>
-    <p:tnLst>
-      <p:par>
-        <p:cTn id="1" dur="indefinite" restart="never" nodeType="tmRoot"/>
-      </p:par>
-    </p:tnLst>
-  </p:timing>
-</p:sld>
-</file>
-
-<file path=ppt/slides/slide11.xml><?xml version="1.0" encoding="utf-8"?>
-<p:sld xmlns:a="http://schemas.openxmlformats.org/drawingml/2006/main" xmlns:r="http://schemas.openxmlformats.org/officeDocument/2006/relationships" xmlns:p="http://schemas.openxmlformats.org/presentationml/2006/main">
-  <p:cSld>
-    <p:spTree>
-      <p:nvGrpSpPr>
-        <p:cNvPr id="1" name=""/>
-        <p:cNvGrpSpPr/>
-        <p:nvPr/>
-      </p:nvGrpSpPr>
-      <p:grpSpPr>
-        <a:xfrm>
-          <a:off x="0" y="0"/>
-          <a:ext cx="0" cy="0"/>
-          <a:chOff x="0" y="0"/>
-          <a:chExt cx="0" cy="0"/>
-        </a:xfrm>
-      </p:grpSpPr>
-      <p:sp>
-        <p:nvSpPr>
-          <p:cNvPr id="4" name="Title 1"/>
-          <p:cNvSpPr txBox="1">
-            <a:spLocks/>
-          </p:cNvSpPr>
-          <p:nvPr/>
-        </p:nvSpPr>
-        <p:spPr>
-          <a:xfrm>
-            <a:off x="4355976" y="260648"/>
-            <a:ext cx="4334437" cy="346050"/>
-          </a:xfrm>
-          <a:prstGeom prst="rect">
-            <a:avLst/>
-          </a:prstGeom>
-          <a:solidFill>
-            <a:srgbClr val="B674AF"/>
-          </a:solidFill>
-        </p:spPr>
-        <p:txBody>
-          <a:bodyPr vert="horz" lIns="91440" tIns="45720" rIns="91440" bIns="45720" rtlCol="0" anchor="ctr">
-            <a:normAutofit/>
-          </a:bodyPr>
-          <a:lstStyle>
-            <a:lvl1pPr algn="ctr" defTabSz="914400" rtl="0" eaLnBrk="1" latinLnBrk="0" hangingPunct="1">
-              <a:spcBef>
-                <a:spcPct val="0"/>
-              </a:spcBef>
-              <a:buNone/>
-              <a:defRPr sz="4400" kern="1200">
-                <a:solidFill>
-                  <a:schemeClr val="tx1"/>
-                </a:solidFill>
-                <a:latin typeface="+mj-lt"/>
-                <a:ea typeface="+mj-ea"/>
-                <a:cs typeface="+mj-cs"/>
-              </a:defRPr>
-            </a:lvl1pPr>
-          </a:lstStyle>
-          <a:p>
-            <a:pPr algn="r"/>
-            <a:r>
-              <a:rPr lang="de-CH" sz="1600" dirty="0" smtClean="0">
-                <a:solidFill>
-                  <a:srgbClr val="FFFFE0"/>
-                </a:solidFill>
-              </a:rPr>
-              <a:t>2Rolf FmbH</a:t>
-            </a:r>
-            <a:endParaRPr lang="en-GB" sz="1600" dirty="0">
-              <a:solidFill>
-                <a:srgbClr val="FFFFE0"/>
-              </a:solidFill>
-            </a:endParaRPr>
-          </a:p>
-        </p:txBody>
-      </p:sp>
-      <p:sp>
-        <p:nvSpPr>
-          <p:cNvPr id="6" name="Title 1"/>
-          <p:cNvSpPr txBox="1">
-            <a:spLocks/>
-          </p:cNvSpPr>
-          <p:nvPr/>
-        </p:nvSpPr>
-        <p:spPr>
-          <a:xfrm>
-            <a:off x="457200" y="260648"/>
-            <a:ext cx="4042792" cy="346050"/>
-          </a:xfrm>
-          <a:prstGeom prst="rect">
-            <a:avLst/>
-          </a:prstGeom>
-          <a:solidFill>
-            <a:srgbClr val="B674AF"/>
-          </a:solidFill>
-        </p:spPr>
-        <p:txBody>
-          <a:bodyPr vert="horz" lIns="91440" tIns="45720" rIns="91440" bIns="45720" rtlCol="0" anchor="ctr">
-            <a:normAutofit/>
-          </a:bodyPr>
-          <a:lstStyle>
-            <a:lvl1pPr algn="ctr" defTabSz="914400" rtl="0" eaLnBrk="1" latinLnBrk="0" hangingPunct="1">
-              <a:spcBef>
-                <a:spcPct val="0"/>
-              </a:spcBef>
-              <a:buNone/>
-              <a:defRPr sz="4400" kern="1200">
-                <a:solidFill>
-                  <a:schemeClr val="tx1"/>
-                </a:solidFill>
-                <a:latin typeface="+mj-lt"/>
-                <a:ea typeface="+mj-ea"/>
-                <a:cs typeface="+mj-cs"/>
-              </a:defRPr>
-            </a:lvl1pPr>
-          </a:lstStyle>
-          <a:p>
-            <a:pPr algn="l"/>
-            <a:r>
-              <a:rPr lang="de-CH" sz="1600" smtClean="0">
-                <a:solidFill>
-                  <a:srgbClr val="FFFFE0"/>
-                </a:solidFill>
-                <a:latin typeface="Wingdings" panose="05000000000000000000" pitchFamily="2" charset="2"/>
-              </a:rPr>
-              <a:t>S</a:t>
-            </a:r>
-            <a:r>
-              <a:rPr lang="de-CH" sz="1600" smtClean="0">
-                <a:solidFill>
-                  <a:srgbClr val="FFFFE0"/>
-                </a:solidFill>
-              </a:rPr>
-              <a:t> S H R E D D I T ³</a:t>
-            </a:r>
-            <a:endParaRPr lang="en-GB" sz="1600" dirty="0">
-              <a:solidFill>
-                <a:srgbClr val="FFFFE0"/>
-              </a:solidFill>
-            </a:endParaRPr>
-          </a:p>
-        </p:txBody>
-      </p:sp>
-      <p:sp>
-        <p:nvSpPr>
-          <p:cNvPr id="8" name="TextBox 7"/>
-          <p:cNvSpPr txBox="1"/>
-          <p:nvPr/>
-        </p:nvSpPr>
-        <p:spPr>
-          <a:xfrm>
-            <a:off x="457200" y="692696"/>
-            <a:ext cx="8233213" cy="646331"/>
-          </a:xfrm>
-          <a:prstGeom prst="rect">
-            <a:avLst/>
-          </a:prstGeom>
-          <a:noFill/>
-        </p:spPr>
-        <p:txBody>
-          <a:bodyPr wrap="square" rtlCol="0">
-            <a:spAutoFit/>
-          </a:bodyPr>
-          <a:lstStyle/>
-          <a:p>
-            <a:r>
-              <a:rPr lang="de-CH" sz="3600" dirty="0"/>
-              <a:t>3</a:t>
-            </a:r>
-            <a:r>
-              <a:rPr lang="de-CH" sz="3600" dirty="0" smtClean="0"/>
-              <a:t>. Server – Übersicht</a:t>
-            </a:r>
-            <a:endParaRPr lang="en-GB" sz="3600" dirty="0"/>
-          </a:p>
-        </p:txBody>
-      </p:sp>
-      <p:sp>
-        <p:nvSpPr>
-          <p:cNvPr id="2" name="Content Placeholder 1"/>
-          <p:cNvSpPr>
-            <a:spLocks noGrp="1"/>
-          </p:cNvSpPr>
-          <p:nvPr>
-            <p:ph idx="1"/>
-          </p:nvPr>
-        </p:nvSpPr>
-        <p:spPr/>
-        <p:txBody>
-          <a:bodyPr>
-            <a:normAutofit/>
-          </a:bodyPr>
-          <a:lstStyle/>
-          <a:p>
-            <a:pPr marL="0" indent="0">
-              <a:buNone/>
-            </a:pPr>
-            <a:r>
-              <a:rPr lang="en-GB" sz="2800" dirty="0" err="1"/>
-              <a:t>Vorteile</a:t>
-            </a:r>
-            <a:r>
-              <a:rPr lang="en-GB" sz="2800" dirty="0"/>
-              <a:t>:</a:t>
-            </a:r>
-          </a:p>
-          <a:p>
-            <a:r>
-              <a:rPr lang="de-DE" sz="2800" dirty="0" smtClean="0"/>
-              <a:t>Der </a:t>
-            </a:r>
-            <a:r>
-              <a:rPr lang="de-DE" sz="2800" dirty="0"/>
-              <a:t>DB-Access führt alle Zugriffe auf die DB aus.</a:t>
-            </a:r>
-          </a:p>
-          <a:p>
-            <a:r>
-              <a:rPr lang="de-DE" sz="2800" dirty="0" smtClean="0"/>
-              <a:t>Nach </a:t>
-            </a:r>
-            <a:r>
-              <a:rPr lang="de-DE" sz="2800" dirty="0"/>
-              <a:t>Festlegung des schmalen Routing-Interface könnte die SPA- und der Server-Code </a:t>
-            </a:r>
-            <a:r>
-              <a:rPr lang="de-DE" sz="2800" dirty="0" smtClean="0"/>
-              <a:t>unabhängig </a:t>
-            </a:r>
-            <a:r>
-              <a:rPr lang="en-GB" sz="2800" dirty="0" err="1" smtClean="0"/>
-              <a:t>entwickelt</a:t>
-            </a:r>
-            <a:r>
-              <a:rPr lang="en-GB" sz="2800" dirty="0" smtClean="0"/>
-              <a:t> </a:t>
-            </a:r>
-            <a:r>
-              <a:rPr lang="en-GB" sz="2800" dirty="0" err="1"/>
-              <a:t>werden</a:t>
-            </a:r>
-            <a:r>
-              <a:rPr lang="en-GB" sz="2800" dirty="0"/>
-              <a:t>.</a:t>
-            </a:r>
-          </a:p>
-          <a:p>
-            <a:r>
-              <a:rPr lang="de-DE" sz="2800" dirty="0" smtClean="0"/>
-              <a:t>Testing </a:t>
-            </a:r>
-            <a:r>
-              <a:rPr lang="de-DE" sz="2800" dirty="0"/>
-              <a:t>ist bereits bei der Entwicklung des Servercodes möglich.</a:t>
-            </a:r>
-          </a:p>
-          <a:p>
-            <a:r>
-              <a:rPr lang="de-DE" sz="2800" dirty="0" smtClean="0"/>
-              <a:t>Spezielle </a:t>
-            </a:r>
-            <a:r>
-              <a:rPr lang="de-DE" sz="2800" dirty="0"/>
-              <a:t>DB Instanzen für das Testing (vordefinierte Muster in der </a:t>
-            </a:r>
-            <a:r>
-              <a:rPr lang="de-DE" sz="2800" dirty="0" smtClean="0"/>
-              <a:t>DB).</a:t>
-            </a:r>
-            <a:endParaRPr lang="de-CH" sz="2800" dirty="0" smtClean="0"/>
-          </a:p>
-        </p:txBody>
-      </p:sp>
-    </p:spTree>
-    <p:extLst>
-      <p:ext uri="{BB962C8B-B14F-4D97-AF65-F5344CB8AC3E}">
-        <p14:creationId xmlns:p14="http://schemas.microsoft.com/office/powerpoint/2010/main" val="374053130"/>
+        <p14:creationId xmlns:p14="http://schemas.microsoft.com/office/powerpoint/2010/main" val="2292518754"/>
       </p:ext>
     </p:extLst>
   </p:cSld>
@@ -3947,6 +4702,298 @@
           <a:p>
             <a:r>
               <a:rPr lang="de-CH" sz="3600" dirty="0"/>
+              <a:t>3</a:t>
+            </a:r>
+            <a:r>
+              <a:rPr lang="de-CH" sz="3600" dirty="0" smtClean="0"/>
+              <a:t>. Server – Übersicht</a:t>
+            </a:r>
+            <a:endParaRPr lang="en-GB" sz="3600" dirty="0"/>
+          </a:p>
+        </p:txBody>
+      </p:sp>
+      <p:sp>
+        <p:nvSpPr>
+          <p:cNvPr id="2" name="Content Placeholder 1"/>
+          <p:cNvSpPr>
+            <a:spLocks noGrp="1"/>
+          </p:cNvSpPr>
+          <p:nvPr>
+            <p:ph idx="1"/>
+          </p:nvPr>
+        </p:nvSpPr>
+        <p:spPr/>
+        <p:txBody>
+          <a:bodyPr>
+            <a:normAutofit/>
+          </a:bodyPr>
+          <a:lstStyle/>
+          <a:p>
+            <a:pPr marL="0" indent="0">
+              <a:buNone/>
+            </a:pPr>
+            <a:r>
+              <a:rPr lang="en-GB" sz="2800" dirty="0" err="1"/>
+              <a:t>Vorteile</a:t>
+            </a:r>
+            <a:r>
+              <a:rPr lang="en-GB" sz="2800" dirty="0"/>
+              <a:t>:</a:t>
+            </a:r>
+          </a:p>
+          <a:p>
+            <a:r>
+              <a:rPr lang="de-DE" sz="2800" dirty="0" smtClean="0"/>
+              <a:t>Der </a:t>
+            </a:r>
+            <a:r>
+              <a:rPr lang="de-DE" sz="2800" dirty="0"/>
+              <a:t>DB-Access führt alle Zugriffe auf die DB aus.</a:t>
+            </a:r>
+          </a:p>
+          <a:p>
+            <a:r>
+              <a:rPr lang="de-DE" sz="2800" dirty="0" smtClean="0"/>
+              <a:t>Nach </a:t>
+            </a:r>
+            <a:r>
+              <a:rPr lang="de-DE" sz="2800" dirty="0"/>
+              <a:t>Festlegung des schmalen Routing-Interface könnte die SPA- und der Server-Code </a:t>
+            </a:r>
+            <a:r>
+              <a:rPr lang="de-DE" sz="2800" dirty="0" smtClean="0"/>
+              <a:t>unabhängig </a:t>
+            </a:r>
+            <a:r>
+              <a:rPr lang="en-GB" sz="2800" dirty="0" err="1" smtClean="0"/>
+              <a:t>entwickelt</a:t>
+            </a:r>
+            <a:r>
+              <a:rPr lang="en-GB" sz="2800" dirty="0" smtClean="0"/>
+              <a:t> </a:t>
+            </a:r>
+            <a:r>
+              <a:rPr lang="en-GB" sz="2800" dirty="0" err="1"/>
+              <a:t>werden</a:t>
+            </a:r>
+            <a:r>
+              <a:rPr lang="en-GB" sz="2800" dirty="0"/>
+              <a:t>.</a:t>
+            </a:r>
+          </a:p>
+          <a:p>
+            <a:r>
+              <a:rPr lang="de-DE" sz="2800" dirty="0" smtClean="0"/>
+              <a:t>Testing </a:t>
+            </a:r>
+            <a:r>
+              <a:rPr lang="de-DE" sz="2800" dirty="0"/>
+              <a:t>ist bereits bei der Entwicklung des Servercodes möglich.</a:t>
+            </a:r>
+          </a:p>
+          <a:p>
+            <a:r>
+              <a:rPr lang="de-DE" sz="2800" dirty="0" smtClean="0"/>
+              <a:t>Spezielle </a:t>
+            </a:r>
+            <a:r>
+              <a:rPr lang="de-DE" sz="2800" dirty="0"/>
+              <a:t>DB Instanzen für das Testing (vordefinierte Muster in der </a:t>
+            </a:r>
+            <a:r>
+              <a:rPr lang="de-DE" sz="2800" dirty="0" smtClean="0"/>
+              <a:t>DB).</a:t>
+            </a:r>
+            <a:endParaRPr lang="de-CH" sz="2800" dirty="0" smtClean="0"/>
+          </a:p>
+        </p:txBody>
+      </p:sp>
+    </p:spTree>
+    <p:extLst>
+      <p:ext uri="{BB962C8B-B14F-4D97-AF65-F5344CB8AC3E}">
+        <p14:creationId xmlns:p14="http://schemas.microsoft.com/office/powerpoint/2010/main" val="374053130"/>
+      </p:ext>
+    </p:extLst>
+  </p:cSld>
+  <p:clrMapOvr>
+    <a:masterClrMapping/>
+  </p:clrMapOvr>
+  <p:timing>
+    <p:tnLst>
+      <p:par>
+        <p:cTn id="1" dur="indefinite" restart="never" nodeType="tmRoot"/>
+      </p:par>
+    </p:tnLst>
+  </p:timing>
+</p:sld>
+</file>
+
+<file path=ppt/slides/slide13.xml><?xml version="1.0" encoding="utf-8"?>
+<p:sld xmlns:a="http://schemas.openxmlformats.org/drawingml/2006/main" xmlns:r="http://schemas.openxmlformats.org/officeDocument/2006/relationships" xmlns:p="http://schemas.openxmlformats.org/presentationml/2006/main">
+  <p:cSld>
+    <p:spTree>
+      <p:nvGrpSpPr>
+        <p:cNvPr id="1" name=""/>
+        <p:cNvGrpSpPr/>
+        <p:nvPr/>
+      </p:nvGrpSpPr>
+      <p:grpSpPr>
+        <a:xfrm>
+          <a:off x="0" y="0"/>
+          <a:ext cx="0" cy="0"/>
+          <a:chOff x="0" y="0"/>
+          <a:chExt cx="0" cy="0"/>
+        </a:xfrm>
+      </p:grpSpPr>
+      <p:sp>
+        <p:nvSpPr>
+          <p:cNvPr id="4" name="Title 1"/>
+          <p:cNvSpPr txBox="1">
+            <a:spLocks/>
+          </p:cNvSpPr>
+          <p:nvPr/>
+        </p:nvSpPr>
+        <p:spPr>
+          <a:xfrm>
+            <a:off x="4355976" y="260648"/>
+            <a:ext cx="4334437" cy="346050"/>
+          </a:xfrm>
+          <a:prstGeom prst="rect">
+            <a:avLst/>
+          </a:prstGeom>
+          <a:solidFill>
+            <a:srgbClr val="B674AF"/>
+          </a:solidFill>
+        </p:spPr>
+        <p:txBody>
+          <a:bodyPr vert="horz" lIns="91440" tIns="45720" rIns="91440" bIns="45720" rtlCol="0" anchor="ctr">
+            <a:normAutofit/>
+          </a:bodyPr>
+          <a:lstStyle>
+            <a:lvl1pPr algn="ctr" defTabSz="914400" rtl="0" eaLnBrk="1" latinLnBrk="0" hangingPunct="1">
+              <a:spcBef>
+                <a:spcPct val="0"/>
+              </a:spcBef>
+              <a:buNone/>
+              <a:defRPr sz="4400" kern="1200">
+                <a:solidFill>
+                  <a:schemeClr val="tx1"/>
+                </a:solidFill>
+                <a:latin typeface="+mj-lt"/>
+                <a:ea typeface="+mj-ea"/>
+                <a:cs typeface="+mj-cs"/>
+              </a:defRPr>
+            </a:lvl1pPr>
+          </a:lstStyle>
+          <a:p>
+            <a:pPr algn="r"/>
+            <a:r>
+              <a:rPr lang="de-CH" sz="1600" dirty="0" smtClean="0">
+                <a:solidFill>
+                  <a:srgbClr val="FFFFE0"/>
+                </a:solidFill>
+              </a:rPr>
+              <a:t>2Rolf FmbH</a:t>
+            </a:r>
+            <a:endParaRPr lang="en-GB" sz="1600" dirty="0">
+              <a:solidFill>
+                <a:srgbClr val="FFFFE0"/>
+              </a:solidFill>
+            </a:endParaRPr>
+          </a:p>
+        </p:txBody>
+      </p:sp>
+      <p:sp>
+        <p:nvSpPr>
+          <p:cNvPr id="6" name="Title 1"/>
+          <p:cNvSpPr txBox="1">
+            <a:spLocks/>
+          </p:cNvSpPr>
+          <p:nvPr/>
+        </p:nvSpPr>
+        <p:spPr>
+          <a:xfrm>
+            <a:off x="457200" y="260648"/>
+            <a:ext cx="4042792" cy="346050"/>
+          </a:xfrm>
+          <a:prstGeom prst="rect">
+            <a:avLst/>
+          </a:prstGeom>
+          <a:solidFill>
+            <a:srgbClr val="B674AF"/>
+          </a:solidFill>
+        </p:spPr>
+        <p:txBody>
+          <a:bodyPr vert="horz" lIns="91440" tIns="45720" rIns="91440" bIns="45720" rtlCol="0" anchor="ctr">
+            <a:normAutofit/>
+          </a:bodyPr>
+          <a:lstStyle>
+            <a:lvl1pPr algn="ctr" defTabSz="914400" rtl="0" eaLnBrk="1" latinLnBrk="0" hangingPunct="1">
+              <a:spcBef>
+                <a:spcPct val="0"/>
+              </a:spcBef>
+              <a:buNone/>
+              <a:defRPr sz="4400" kern="1200">
+                <a:solidFill>
+                  <a:schemeClr val="tx1"/>
+                </a:solidFill>
+                <a:latin typeface="+mj-lt"/>
+                <a:ea typeface="+mj-ea"/>
+                <a:cs typeface="+mj-cs"/>
+              </a:defRPr>
+            </a:lvl1pPr>
+          </a:lstStyle>
+          <a:p>
+            <a:pPr algn="l"/>
+            <a:r>
+              <a:rPr lang="de-CH" sz="1600" smtClean="0">
+                <a:solidFill>
+                  <a:srgbClr val="FFFFE0"/>
+                </a:solidFill>
+                <a:latin typeface="Wingdings" panose="05000000000000000000" pitchFamily="2" charset="2"/>
+              </a:rPr>
+              <a:t>S</a:t>
+            </a:r>
+            <a:r>
+              <a:rPr lang="de-CH" sz="1600" smtClean="0">
+                <a:solidFill>
+                  <a:srgbClr val="FFFFE0"/>
+                </a:solidFill>
+              </a:rPr>
+              <a:t> S H R E D D I T ³</a:t>
+            </a:r>
+            <a:endParaRPr lang="en-GB" sz="1600" dirty="0">
+              <a:solidFill>
+                <a:srgbClr val="FFFFE0"/>
+              </a:solidFill>
+            </a:endParaRPr>
+          </a:p>
+        </p:txBody>
+      </p:sp>
+      <p:sp>
+        <p:nvSpPr>
+          <p:cNvPr id="8" name="TextBox 7"/>
+          <p:cNvSpPr txBox="1"/>
+          <p:nvPr/>
+        </p:nvSpPr>
+        <p:spPr>
+          <a:xfrm>
+            <a:off x="457200" y="692696"/>
+            <a:ext cx="8233213" cy="646331"/>
+          </a:xfrm>
+          <a:prstGeom prst="rect">
+            <a:avLst/>
+          </a:prstGeom>
+          <a:noFill/>
+        </p:spPr>
+        <p:txBody>
+          <a:bodyPr wrap="square" rtlCol="0">
+            <a:spAutoFit/>
+          </a:bodyPr>
+          <a:lstStyle/>
+          <a:p>
+            <a:r>
+              <a:rPr lang="de-CH" sz="3600" dirty="0"/>
               <a:t>4</a:t>
             </a:r>
             <a:r>
@@ -4060,7 +5107,7 @@
 </p:sld>
 </file>
 
-<file path=ppt/slides/slide13.xml><?xml version="1.0" encoding="utf-8"?>
+<file path=ppt/slides/slide14.xml><?xml version="1.0" encoding="utf-8"?>
 <p:sld xmlns:a="http://schemas.openxmlformats.org/drawingml/2006/main" xmlns:r="http://schemas.openxmlformats.org/officeDocument/2006/relationships" xmlns:p="http://schemas.openxmlformats.org/presentationml/2006/main">
   <p:cSld>
     <p:spTree>
@@ -4576,7 +5623,7 @@
 </p:sld>
 </file>
 
-<file path=ppt/slides/slide14.xml><?xml version="1.0" encoding="utf-8"?>
+<file path=ppt/slides/slide15.xml><?xml version="1.0" encoding="utf-8"?>
 <p:sld xmlns:a="http://schemas.openxmlformats.org/drawingml/2006/main" xmlns:r="http://schemas.openxmlformats.org/officeDocument/2006/relationships" xmlns:p="http://schemas.openxmlformats.org/presentationml/2006/main">
   <p:cSld>
     <p:spTree>
@@ -4812,7 +5859,7 @@
 </p:sld>
 </file>
 
-<file path=ppt/slides/slide15.xml><?xml version="1.0" encoding="utf-8"?>
+<file path=ppt/slides/slide16.xml><?xml version="1.0" encoding="utf-8"?>
 <p:sld xmlns:a="http://schemas.openxmlformats.org/drawingml/2006/main" xmlns:r="http://schemas.openxmlformats.org/officeDocument/2006/relationships" xmlns:p="http://schemas.openxmlformats.org/presentationml/2006/main">
   <p:cSld>
     <p:spTree>

--- a/doc/shreddit3.pptx
+++ b/doc/shreddit3.pptx
@@ -3404,11 +3404,7 @@
             </a:r>
             <a:r>
               <a:rPr lang="de-CH" sz="3600" dirty="0" smtClean="0"/>
-              <a:t>. Server – </a:t>
-            </a:r>
-            <a:r>
-              <a:rPr lang="de-CH" sz="3600" dirty="0" smtClean="0"/>
-              <a:t>DB-Struktur</a:t>
+              <a:t>. Server – DB-Struktur</a:t>
             </a:r>
             <a:endParaRPr lang="en-GB" sz="3600" dirty="0"/>
           </a:p>
@@ -10446,19 +10442,25 @@
           </a:p>
           <a:p>
             <a:r>
+              <a:rPr lang="de-CH" sz="2800" dirty="0" smtClean="0"/>
+              <a:t>Onbeforeunload</a:t>
+            </a:r>
+          </a:p>
+          <a:p>
+            <a:r>
               <a:rPr lang="de-CH" sz="2800" smtClean="0"/>
-              <a:t>Onbeforeunload</a:t>
-            </a:r>
+              <a:t>Tests (AngularJS)</a:t>
+            </a:r>
+            <a:endParaRPr lang="de-CH" sz="2800" smtClean="0"/>
           </a:p>
           <a:p>
             <a:pPr marL="0" indent="0">
               <a:buNone/>
             </a:pPr>
             <a:r>
-              <a:rPr lang="de-CH" sz="2800" smtClean="0"/>
+              <a:rPr lang="de-CH" sz="2800" dirty="0" smtClean="0"/>
               <a:t> </a:t>
             </a:r>
-            <a:endParaRPr lang="de-CH" sz="2800" dirty="0" smtClean="0"/>
           </a:p>
           <a:p>
             <a:pPr marL="0" indent="0">
